--- a/docs/manuscript/figures/fig2/fig2.pptx
+++ b/docs/manuscript/figures/fig2/fig2.pptx
@@ -2,7 +2,7 @@
 <file path=ppt/presentation.xml><?xml version="1.0" encoding="utf-8"?>
 <p:presentation xmlns:a="http://schemas.openxmlformats.org/drawingml/2006/main" xmlns:r="http://schemas.openxmlformats.org/officeDocument/2006/relationships" xmlns:p="http://schemas.openxmlformats.org/presentationml/2006/main" saveSubsetFonts="1" autoCompressPictures="0">
   <p:sldMasterIdLst>
-    <p:sldMasterId id="2147483768" r:id="rId1"/>
+    <p:sldMasterId id="2147483792" r:id="rId1"/>
   </p:sldMasterIdLst>
   <p:notesMasterIdLst>
     <p:notesMasterId r:id="rId3"/>
@@ -10,7 +10,7 @@
   <p:sldIdLst>
     <p:sldId id="261" r:id="rId2"/>
   </p:sldIdLst>
-  <p:sldSz cx="9720263" cy="11879263"/>
+  <p:sldSz cx="9720263" cy="7199313"/>
   <p:notesSz cx="6858000" cy="9144000"/>
   <p:defaultTextStyle>
     <a:defPPr>
@@ -110,7 +110,7 @@
   <p:extLst>
     <p:ext uri="{EFAFB233-063F-42B5-8137-9DF3F51BA10A}">
       <p15:sldGuideLst xmlns:p15="http://schemas.microsoft.com/office/powerpoint/2012/main">
-        <p15:guide id="1" orient="horz" pos="6576" userDrawn="1">
+        <p15:guide id="1" orient="horz" pos="2563" userDrawn="1">
           <p15:clr>
             <a:srgbClr val="A4A3A4"/>
           </p15:clr>
@@ -208,7 +208,7 @@
           <a:p>
             <a:fld id="{581DC624-D5C3-D04C-B649-5454DB7A779C}" type="datetimeFigureOut">
               <a:rPr lang="en-US" smtClean="0"/>
-              <a:t>7/2/25</a:t>
+              <a:t>7/5/25</a:t>
             </a:fld>
             <a:endParaRPr lang="en-US"/>
           </a:p>
@@ -226,8 +226,8 @@
         </p:nvSpPr>
         <p:spPr>
           <a:xfrm>
-            <a:off x="2166938" y="1143000"/>
-            <a:ext cx="2524125" cy="3086100"/>
+            <a:off x="1346200" y="1143000"/>
+            <a:ext cx="4165600" cy="3086100"/>
           </a:xfrm>
           <a:prstGeom prst="rect">
             <a:avLst/>
@@ -503,7 +503,12 @@
             <p:ph type="sldImg"/>
           </p:nvPr>
         </p:nvSpPr>
-        <p:spPr/>
+        <p:spPr>
+          <a:xfrm>
+            <a:off x="1346200" y="1143000"/>
+            <a:ext cx="4165600" cy="3086100"/>
+          </a:xfrm>
+        </p:spPr>
       </p:sp>
       <p:sp>
         <p:nvSpPr>
@@ -589,15 +594,15 @@
         </p:nvSpPr>
         <p:spPr>
           <a:xfrm>
-            <a:off x="729020" y="1944130"/>
-            <a:ext cx="8262224" cy="4135743"/>
+            <a:off x="729020" y="1178222"/>
+            <a:ext cx="8262224" cy="2506427"/>
           </a:xfrm>
         </p:spPr>
         <p:txBody>
           <a:bodyPr anchor="b"/>
           <a:lstStyle>
             <a:lvl1pPr algn="ctr">
-              <a:defRPr sz="6378"/>
+              <a:defRPr sz="6299"/>
             </a:lvl1pPr>
           </a:lstStyle>
           <a:p>
@@ -621,8 +626,8 @@
         </p:nvSpPr>
         <p:spPr>
           <a:xfrm>
-            <a:off x="1215033" y="6239364"/>
-            <a:ext cx="7290197" cy="2868071"/>
+            <a:off x="1215033" y="3781306"/>
+            <a:ext cx="7290197" cy="1738167"/>
           </a:xfrm>
         </p:spPr>
         <p:txBody>
@@ -630,39 +635,39 @@
           <a:lstStyle>
             <a:lvl1pPr marL="0" indent="0" algn="ctr">
               <a:buNone/>
-              <a:defRPr sz="2551"/>
+              <a:defRPr sz="2520"/>
             </a:lvl1pPr>
-            <a:lvl2pPr marL="486004" indent="0" algn="ctr">
-              <a:buNone/>
-              <a:defRPr sz="2126"/>
+            <a:lvl2pPr marL="479969" indent="0" algn="ctr">
+              <a:buNone/>
+              <a:defRPr sz="2100"/>
             </a:lvl2pPr>
-            <a:lvl3pPr marL="972007" indent="0" algn="ctr">
-              <a:buNone/>
-              <a:defRPr sz="1913"/>
+            <a:lvl3pPr marL="959937" indent="0" algn="ctr">
+              <a:buNone/>
+              <a:defRPr sz="1890"/>
             </a:lvl3pPr>
-            <a:lvl4pPr marL="1458011" indent="0" algn="ctr">
-              <a:buNone/>
-              <a:defRPr sz="1701"/>
+            <a:lvl4pPr marL="1439906" indent="0" algn="ctr">
+              <a:buNone/>
+              <a:defRPr sz="1680"/>
             </a:lvl4pPr>
-            <a:lvl5pPr marL="1944014" indent="0" algn="ctr">
-              <a:buNone/>
-              <a:defRPr sz="1701"/>
+            <a:lvl5pPr marL="1919874" indent="0" algn="ctr">
+              <a:buNone/>
+              <a:defRPr sz="1680"/>
             </a:lvl5pPr>
-            <a:lvl6pPr marL="2430018" indent="0" algn="ctr">
-              <a:buNone/>
-              <a:defRPr sz="1701"/>
+            <a:lvl6pPr marL="2399843" indent="0" algn="ctr">
+              <a:buNone/>
+              <a:defRPr sz="1680"/>
             </a:lvl6pPr>
-            <a:lvl7pPr marL="2916022" indent="0" algn="ctr">
-              <a:buNone/>
-              <a:defRPr sz="1701"/>
+            <a:lvl7pPr marL="2879811" indent="0" algn="ctr">
+              <a:buNone/>
+              <a:defRPr sz="1680"/>
             </a:lvl7pPr>
-            <a:lvl8pPr marL="3402025" indent="0" algn="ctr">
-              <a:buNone/>
-              <a:defRPr sz="1701"/>
+            <a:lvl8pPr marL="3359780" indent="0" algn="ctr">
+              <a:buNone/>
+              <a:defRPr sz="1680"/>
             </a:lvl8pPr>
-            <a:lvl9pPr marL="3888029" indent="0" algn="ctr">
-              <a:buNone/>
-              <a:defRPr sz="1701"/>
+            <a:lvl9pPr marL="3839748" indent="0" algn="ctr">
+              <a:buNone/>
+              <a:defRPr sz="1680"/>
             </a:lvl9pPr>
           </a:lstStyle>
           <a:p>
@@ -691,7 +696,7 @@
           <a:p>
             <a:fld id="{A671DD95-2F7A-814C-93FC-55293BBF9003}" type="datetimeFigureOut">
               <a:rPr lang="en-US" smtClean="0"/>
-              <a:t>7/2/25</a:t>
+              <a:t>7/5/25</a:t>
             </a:fld>
             <a:endParaRPr lang="en-US"/>
           </a:p>
@@ -742,7 +747,7 @@
     </p:spTree>
     <p:extLst>
       <p:ext uri="{BB962C8B-B14F-4D97-AF65-F5344CB8AC3E}">
-        <p14:creationId xmlns:p14="http://schemas.microsoft.com/office/powerpoint/2010/main" val="1129711126"/>
+        <p14:creationId xmlns:p14="http://schemas.microsoft.com/office/powerpoint/2010/main" val="2543327046"/>
       </p:ext>
     </p:extLst>
   </p:cSld>
@@ -861,7 +866,7 @@
           <a:p>
             <a:fld id="{A671DD95-2F7A-814C-93FC-55293BBF9003}" type="datetimeFigureOut">
               <a:rPr lang="en-US" smtClean="0"/>
-              <a:t>7/2/25</a:t>
+              <a:t>7/5/25</a:t>
             </a:fld>
             <a:endParaRPr lang="en-US"/>
           </a:p>
@@ -912,7 +917,7 @@
     </p:spTree>
     <p:extLst>
       <p:ext uri="{BB962C8B-B14F-4D97-AF65-F5344CB8AC3E}">
-        <p14:creationId xmlns:p14="http://schemas.microsoft.com/office/powerpoint/2010/main" val="2173815697"/>
+        <p14:creationId xmlns:p14="http://schemas.microsoft.com/office/powerpoint/2010/main" val="1859947106"/>
       </p:ext>
     </p:extLst>
   </p:cSld>
@@ -951,8 +956,8 @@
         </p:nvSpPr>
         <p:spPr>
           <a:xfrm>
-            <a:off x="6956064" y="632461"/>
-            <a:ext cx="2095932" cy="10067126"/>
+            <a:off x="6956064" y="383297"/>
+            <a:ext cx="2095932" cy="6101085"/>
           </a:xfrm>
         </p:spPr>
         <p:txBody>
@@ -979,8 +984,8 @@
         </p:nvSpPr>
         <p:spPr>
           <a:xfrm>
-            <a:off x="668269" y="632461"/>
-            <a:ext cx="6166292" cy="10067126"/>
+            <a:off x="668269" y="383297"/>
+            <a:ext cx="6166292" cy="6101085"/>
           </a:xfrm>
         </p:spPr>
         <p:txBody>
@@ -1041,7 +1046,7 @@
           <a:p>
             <a:fld id="{A671DD95-2F7A-814C-93FC-55293BBF9003}" type="datetimeFigureOut">
               <a:rPr lang="en-US" smtClean="0"/>
-              <a:t>7/2/25</a:t>
+              <a:t>7/5/25</a:t>
             </a:fld>
             <a:endParaRPr lang="en-US"/>
           </a:p>
@@ -1092,7 +1097,7 @@
     </p:spTree>
     <p:extLst>
       <p:ext uri="{BB962C8B-B14F-4D97-AF65-F5344CB8AC3E}">
-        <p14:creationId xmlns:p14="http://schemas.microsoft.com/office/powerpoint/2010/main" val="1217589292"/>
+        <p14:creationId xmlns:p14="http://schemas.microsoft.com/office/powerpoint/2010/main" val="406962207"/>
       </p:ext>
     </p:extLst>
   </p:cSld>
@@ -1211,7 +1216,7 @@
           <a:p>
             <a:fld id="{A671DD95-2F7A-814C-93FC-55293BBF9003}" type="datetimeFigureOut">
               <a:rPr lang="en-US" smtClean="0"/>
-              <a:t>7/2/25</a:t>
+              <a:t>7/5/25</a:t>
             </a:fld>
             <a:endParaRPr lang="en-US"/>
           </a:p>
@@ -1262,7 +1267,7 @@
     </p:spTree>
     <p:extLst>
       <p:ext uri="{BB962C8B-B14F-4D97-AF65-F5344CB8AC3E}">
-        <p14:creationId xmlns:p14="http://schemas.microsoft.com/office/powerpoint/2010/main" val="1650201466"/>
+        <p14:creationId xmlns:p14="http://schemas.microsoft.com/office/powerpoint/2010/main" val="1086469758"/>
       </p:ext>
     </p:extLst>
   </p:cSld>
@@ -1301,15 +1306,15 @@
         </p:nvSpPr>
         <p:spPr>
           <a:xfrm>
-            <a:off x="663206" y="2961570"/>
-            <a:ext cx="8383727" cy="4941443"/>
+            <a:off x="663206" y="1794831"/>
+            <a:ext cx="8383727" cy="2994714"/>
           </a:xfrm>
         </p:spPr>
         <p:txBody>
           <a:bodyPr anchor="b"/>
           <a:lstStyle>
             <a:lvl1pPr>
-              <a:defRPr sz="6378"/>
+              <a:defRPr sz="6299"/>
             </a:lvl1pPr>
           </a:lstStyle>
           <a:p>
@@ -1333,8 +1338,8 @@
         </p:nvSpPr>
         <p:spPr>
           <a:xfrm>
-            <a:off x="663206" y="7949760"/>
-            <a:ext cx="8383727" cy="2598588"/>
+            <a:off x="663206" y="4817876"/>
+            <a:ext cx="8383727" cy="1574849"/>
           </a:xfrm>
         </p:spPr>
         <p:txBody>
@@ -1342,7 +1347,7 @@
           <a:lstStyle>
             <a:lvl1pPr marL="0" indent="0">
               <a:buNone/>
-              <a:defRPr sz="2551">
+              <a:defRPr sz="2520">
                 <a:solidFill>
                   <a:schemeClr val="tx1">
                     <a:tint val="82000"/>
@@ -1350,9 +1355,9 @@
                 </a:solidFill>
               </a:defRPr>
             </a:lvl1pPr>
-            <a:lvl2pPr marL="486004" indent="0">
-              <a:buNone/>
-              <a:defRPr sz="2126">
+            <a:lvl2pPr marL="479969" indent="0">
+              <a:buNone/>
+              <a:defRPr sz="2100">
                 <a:solidFill>
                   <a:schemeClr val="tx1">
                     <a:tint val="82000"/>
@@ -1360,9 +1365,9 @@
                 </a:solidFill>
               </a:defRPr>
             </a:lvl2pPr>
-            <a:lvl3pPr marL="972007" indent="0">
-              <a:buNone/>
-              <a:defRPr sz="1913">
+            <a:lvl3pPr marL="959937" indent="0">
+              <a:buNone/>
+              <a:defRPr sz="1890">
                 <a:solidFill>
                   <a:schemeClr val="tx1">
                     <a:tint val="82000"/>
@@ -1370,9 +1375,9 @@
                 </a:solidFill>
               </a:defRPr>
             </a:lvl3pPr>
-            <a:lvl4pPr marL="1458011" indent="0">
-              <a:buNone/>
-              <a:defRPr sz="1701">
+            <a:lvl4pPr marL="1439906" indent="0">
+              <a:buNone/>
+              <a:defRPr sz="1680">
                 <a:solidFill>
                   <a:schemeClr val="tx1">
                     <a:tint val="82000"/>
@@ -1380,9 +1385,9 @@
                 </a:solidFill>
               </a:defRPr>
             </a:lvl4pPr>
-            <a:lvl5pPr marL="1944014" indent="0">
-              <a:buNone/>
-              <a:defRPr sz="1701">
+            <a:lvl5pPr marL="1919874" indent="0">
+              <a:buNone/>
+              <a:defRPr sz="1680">
                 <a:solidFill>
                   <a:schemeClr val="tx1">
                     <a:tint val="82000"/>
@@ -1390,9 +1395,9 @@
                 </a:solidFill>
               </a:defRPr>
             </a:lvl5pPr>
-            <a:lvl6pPr marL="2430018" indent="0">
-              <a:buNone/>
-              <a:defRPr sz="1701">
+            <a:lvl6pPr marL="2399843" indent="0">
+              <a:buNone/>
+              <a:defRPr sz="1680">
                 <a:solidFill>
                   <a:schemeClr val="tx1">
                     <a:tint val="82000"/>
@@ -1400,9 +1405,9 @@
                 </a:solidFill>
               </a:defRPr>
             </a:lvl6pPr>
-            <a:lvl7pPr marL="2916022" indent="0">
-              <a:buNone/>
-              <a:defRPr sz="1701">
+            <a:lvl7pPr marL="2879811" indent="0">
+              <a:buNone/>
+              <a:defRPr sz="1680">
                 <a:solidFill>
                   <a:schemeClr val="tx1">
                     <a:tint val="82000"/>
@@ -1410,9 +1415,9 @@
                 </a:solidFill>
               </a:defRPr>
             </a:lvl7pPr>
-            <a:lvl8pPr marL="3402025" indent="0">
-              <a:buNone/>
-              <a:defRPr sz="1701">
+            <a:lvl8pPr marL="3359780" indent="0">
+              <a:buNone/>
+              <a:defRPr sz="1680">
                 <a:solidFill>
                   <a:schemeClr val="tx1">
                     <a:tint val="82000"/>
@@ -1420,9 +1425,9 @@
                 </a:solidFill>
               </a:defRPr>
             </a:lvl8pPr>
-            <a:lvl9pPr marL="3888029" indent="0">
-              <a:buNone/>
-              <a:defRPr sz="1701">
+            <a:lvl9pPr marL="3839748" indent="0">
+              <a:buNone/>
+              <a:defRPr sz="1680">
                 <a:solidFill>
                   <a:schemeClr val="tx1">
                     <a:tint val="82000"/>
@@ -1457,7 +1462,7 @@
           <a:p>
             <a:fld id="{A671DD95-2F7A-814C-93FC-55293BBF9003}" type="datetimeFigureOut">
               <a:rPr lang="en-US" smtClean="0"/>
-              <a:t>7/2/25</a:t>
+              <a:t>7/5/25</a:t>
             </a:fld>
             <a:endParaRPr lang="en-US"/>
           </a:p>
@@ -1508,7 +1513,7 @@
     </p:spTree>
     <p:extLst>
       <p:ext uri="{BB962C8B-B14F-4D97-AF65-F5344CB8AC3E}">
-        <p14:creationId xmlns:p14="http://schemas.microsoft.com/office/powerpoint/2010/main" val="45318471"/>
+        <p14:creationId xmlns:p14="http://schemas.microsoft.com/office/powerpoint/2010/main" val="2880818892"/>
       </p:ext>
     </p:extLst>
   </p:cSld>
@@ -1570,8 +1575,8 @@
         </p:nvSpPr>
         <p:spPr>
           <a:xfrm>
-            <a:off x="668268" y="3162304"/>
-            <a:ext cx="4131112" cy="7537283"/>
+            <a:off x="668268" y="1916484"/>
+            <a:ext cx="4131112" cy="4567898"/>
           </a:xfrm>
         </p:spPr>
         <p:txBody>
@@ -1627,8 +1632,8 @@
         </p:nvSpPr>
         <p:spPr>
           <a:xfrm>
-            <a:off x="4920883" y="3162304"/>
-            <a:ext cx="4131112" cy="7537283"/>
+            <a:off x="4920883" y="1916484"/>
+            <a:ext cx="4131112" cy="4567898"/>
           </a:xfrm>
         </p:spPr>
         <p:txBody>
@@ -1689,7 +1694,7 @@
           <a:p>
             <a:fld id="{A671DD95-2F7A-814C-93FC-55293BBF9003}" type="datetimeFigureOut">
               <a:rPr lang="en-US" smtClean="0"/>
-              <a:t>7/2/25</a:t>
+              <a:t>7/5/25</a:t>
             </a:fld>
             <a:endParaRPr lang="en-US"/>
           </a:p>
@@ -1740,7 +1745,7 @@
     </p:spTree>
     <p:extLst>
       <p:ext uri="{BB962C8B-B14F-4D97-AF65-F5344CB8AC3E}">
-        <p14:creationId xmlns:p14="http://schemas.microsoft.com/office/powerpoint/2010/main" val="4177287242"/>
+        <p14:creationId xmlns:p14="http://schemas.microsoft.com/office/powerpoint/2010/main" val="382111572"/>
       </p:ext>
     </p:extLst>
   </p:cSld>
@@ -1779,8 +1784,8 @@
         </p:nvSpPr>
         <p:spPr>
           <a:xfrm>
-            <a:off x="669534" y="632464"/>
-            <a:ext cx="8383727" cy="2296108"/>
+            <a:off x="669534" y="383299"/>
+            <a:ext cx="8383727" cy="1391534"/>
           </a:xfrm>
         </p:spPr>
         <p:txBody>
@@ -1807,8 +1812,8 @@
         </p:nvSpPr>
         <p:spPr>
           <a:xfrm>
-            <a:off x="669535" y="2912070"/>
-            <a:ext cx="4112126" cy="1427161"/>
+            <a:off x="669535" y="1764832"/>
+            <a:ext cx="4112126" cy="864917"/>
           </a:xfrm>
         </p:spPr>
         <p:txBody>
@@ -1816,39 +1821,39 @@
           <a:lstStyle>
             <a:lvl1pPr marL="0" indent="0">
               <a:buNone/>
-              <a:defRPr sz="2551" b="1"/>
+              <a:defRPr sz="2520" b="1"/>
             </a:lvl1pPr>
-            <a:lvl2pPr marL="486004" indent="0">
-              <a:buNone/>
-              <a:defRPr sz="2126" b="1"/>
+            <a:lvl2pPr marL="479969" indent="0">
+              <a:buNone/>
+              <a:defRPr sz="2100" b="1"/>
             </a:lvl2pPr>
-            <a:lvl3pPr marL="972007" indent="0">
-              <a:buNone/>
-              <a:defRPr sz="1913" b="1"/>
+            <a:lvl3pPr marL="959937" indent="0">
+              <a:buNone/>
+              <a:defRPr sz="1890" b="1"/>
             </a:lvl3pPr>
-            <a:lvl4pPr marL="1458011" indent="0">
-              <a:buNone/>
-              <a:defRPr sz="1701" b="1"/>
+            <a:lvl4pPr marL="1439906" indent="0">
+              <a:buNone/>
+              <a:defRPr sz="1680" b="1"/>
             </a:lvl4pPr>
-            <a:lvl5pPr marL="1944014" indent="0">
-              <a:buNone/>
-              <a:defRPr sz="1701" b="1"/>
+            <a:lvl5pPr marL="1919874" indent="0">
+              <a:buNone/>
+              <a:defRPr sz="1680" b="1"/>
             </a:lvl5pPr>
-            <a:lvl6pPr marL="2430018" indent="0">
-              <a:buNone/>
-              <a:defRPr sz="1701" b="1"/>
+            <a:lvl6pPr marL="2399843" indent="0">
+              <a:buNone/>
+              <a:defRPr sz="1680" b="1"/>
             </a:lvl6pPr>
-            <a:lvl7pPr marL="2916022" indent="0">
-              <a:buNone/>
-              <a:defRPr sz="1701" b="1"/>
+            <a:lvl7pPr marL="2879811" indent="0">
+              <a:buNone/>
+              <a:defRPr sz="1680" b="1"/>
             </a:lvl7pPr>
-            <a:lvl8pPr marL="3402025" indent="0">
-              <a:buNone/>
-              <a:defRPr sz="1701" b="1"/>
+            <a:lvl8pPr marL="3359780" indent="0">
+              <a:buNone/>
+              <a:defRPr sz="1680" b="1"/>
             </a:lvl8pPr>
-            <a:lvl9pPr marL="3888029" indent="0">
-              <a:buNone/>
-              <a:defRPr sz="1701" b="1"/>
+            <a:lvl9pPr marL="3839748" indent="0">
+              <a:buNone/>
+              <a:defRPr sz="1680" b="1"/>
             </a:lvl9pPr>
           </a:lstStyle>
           <a:p>
@@ -1872,8 +1877,8 @@
         </p:nvSpPr>
         <p:spPr>
           <a:xfrm>
-            <a:off x="669535" y="4339231"/>
-            <a:ext cx="4112126" cy="6382355"/>
+            <a:off x="669535" y="2629749"/>
+            <a:ext cx="4112126" cy="3867965"/>
           </a:xfrm>
         </p:spPr>
         <p:txBody>
@@ -1929,8 +1934,8 @@
         </p:nvSpPr>
         <p:spPr>
           <a:xfrm>
-            <a:off x="4920884" y="2912070"/>
-            <a:ext cx="4132378" cy="1427161"/>
+            <a:off x="4920884" y="1764832"/>
+            <a:ext cx="4132378" cy="864917"/>
           </a:xfrm>
         </p:spPr>
         <p:txBody>
@@ -1938,39 +1943,39 @@
           <a:lstStyle>
             <a:lvl1pPr marL="0" indent="0">
               <a:buNone/>
-              <a:defRPr sz="2551" b="1"/>
+              <a:defRPr sz="2520" b="1"/>
             </a:lvl1pPr>
-            <a:lvl2pPr marL="486004" indent="0">
-              <a:buNone/>
-              <a:defRPr sz="2126" b="1"/>
+            <a:lvl2pPr marL="479969" indent="0">
+              <a:buNone/>
+              <a:defRPr sz="2100" b="1"/>
             </a:lvl2pPr>
-            <a:lvl3pPr marL="972007" indent="0">
-              <a:buNone/>
-              <a:defRPr sz="1913" b="1"/>
+            <a:lvl3pPr marL="959937" indent="0">
+              <a:buNone/>
+              <a:defRPr sz="1890" b="1"/>
             </a:lvl3pPr>
-            <a:lvl4pPr marL="1458011" indent="0">
-              <a:buNone/>
-              <a:defRPr sz="1701" b="1"/>
+            <a:lvl4pPr marL="1439906" indent="0">
+              <a:buNone/>
+              <a:defRPr sz="1680" b="1"/>
             </a:lvl4pPr>
-            <a:lvl5pPr marL="1944014" indent="0">
-              <a:buNone/>
-              <a:defRPr sz="1701" b="1"/>
+            <a:lvl5pPr marL="1919874" indent="0">
+              <a:buNone/>
+              <a:defRPr sz="1680" b="1"/>
             </a:lvl5pPr>
-            <a:lvl6pPr marL="2430018" indent="0">
-              <a:buNone/>
-              <a:defRPr sz="1701" b="1"/>
+            <a:lvl6pPr marL="2399843" indent="0">
+              <a:buNone/>
+              <a:defRPr sz="1680" b="1"/>
             </a:lvl6pPr>
-            <a:lvl7pPr marL="2916022" indent="0">
-              <a:buNone/>
-              <a:defRPr sz="1701" b="1"/>
+            <a:lvl7pPr marL="2879811" indent="0">
+              <a:buNone/>
+              <a:defRPr sz="1680" b="1"/>
             </a:lvl7pPr>
-            <a:lvl8pPr marL="3402025" indent="0">
-              <a:buNone/>
-              <a:defRPr sz="1701" b="1"/>
+            <a:lvl8pPr marL="3359780" indent="0">
+              <a:buNone/>
+              <a:defRPr sz="1680" b="1"/>
             </a:lvl8pPr>
-            <a:lvl9pPr marL="3888029" indent="0">
-              <a:buNone/>
-              <a:defRPr sz="1701" b="1"/>
+            <a:lvl9pPr marL="3839748" indent="0">
+              <a:buNone/>
+              <a:defRPr sz="1680" b="1"/>
             </a:lvl9pPr>
           </a:lstStyle>
           <a:p>
@@ -1994,8 +1999,8 @@
         </p:nvSpPr>
         <p:spPr>
           <a:xfrm>
-            <a:off x="4920884" y="4339231"/>
-            <a:ext cx="4132378" cy="6382355"/>
+            <a:off x="4920884" y="2629749"/>
+            <a:ext cx="4132378" cy="3867965"/>
           </a:xfrm>
         </p:spPr>
         <p:txBody>
@@ -2056,7 +2061,7 @@
           <a:p>
             <a:fld id="{A671DD95-2F7A-814C-93FC-55293BBF9003}" type="datetimeFigureOut">
               <a:rPr lang="en-US" smtClean="0"/>
-              <a:t>7/2/25</a:t>
+              <a:t>7/5/25</a:t>
             </a:fld>
             <a:endParaRPr lang="en-US"/>
           </a:p>
@@ -2107,7 +2112,7 @@
     </p:spTree>
     <p:extLst>
       <p:ext uri="{BB962C8B-B14F-4D97-AF65-F5344CB8AC3E}">
-        <p14:creationId xmlns:p14="http://schemas.microsoft.com/office/powerpoint/2010/main" val="3104419579"/>
+        <p14:creationId xmlns:p14="http://schemas.microsoft.com/office/powerpoint/2010/main" val="3892487278"/>
       </p:ext>
     </p:extLst>
   </p:cSld>
@@ -2174,7 +2179,7 @@
           <a:p>
             <a:fld id="{A671DD95-2F7A-814C-93FC-55293BBF9003}" type="datetimeFigureOut">
               <a:rPr lang="en-US" smtClean="0"/>
-              <a:t>7/2/25</a:t>
+              <a:t>7/5/25</a:t>
             </a:fld>
             <a:endParaRPr lang="en-US"/>
           </a:p>
@@ -2225,7 +2230,7 @@
     </p:spTree>
     <p:extLst>
       <p:ext uri="{BB962C8B-B14F-4D97-AF65-F5344CB8AC3E}">
-        <p14:creationId xmlns:p14="http://schemas.microsoft.com/office/powerpoint/2010/main" val="2432754941"/>
+        <p14:creationId xmlns:p14="http://schemas.microsoft.com/office/powerpoint/2010/main" val="2650387999"/>
       </p:ext>
     </p:extLst>
   </p:cSld>
@@ -2269,7 +2274,7 @@
           <a:p>
             <a:fld id="{A671DD95-2F7A-814C-93FC-55293BBF9003}" type="datetimeFigureOut">
               <a:rPr lang="en-US" smtClean="0"/>
-              <a:t>7/2/25</a:t>
+              <a:t>7/5/25</a:t>
             </a:fld>
             <a:endParaRPr lang="en-US"/>
           </a:p>
@@ -2320,7 +2325,7 @@
     </p:spTree>
     <p:extLst>
       <p:ext uri="{BB962C8B-B14F-4D97-AF65-F5344CB8AC3E}">
-        <p14:creationId xmlns:p14="http://schemas.microsoft.com/office/powerpoint/2010/main" val="4097450798"/>
+        <p14:creationId xmlns:p14="http://schemas.microsoft.com/office/powerpoint/2010/main" val="4001993606"/>
       </p:ext>
     </p:extLst>
   </p:cSld>
@@ -2359,15 +2364,15 @@
         </p:nvSpPr>
         <p:spPr>
           <a:xfrm>
-            <a:off x="669534" y="791951"/>
-            <a:ext cx="3135038" cy="2771828"/>
+            <a:off x="669534" y="479954"/>
+            <a:ext cx="3135038" cy="1679840"/>
           </a:xfrm>
         </p:spPr>
         <p:txBody>
           <a:bodyPr anchor="b"/>
           <a:lstStyle>
             <a:lvl1pPr>
-              <a:defRPr sz="3402"/>
+              <a:defRPr sz="3359"/>
             </a:lvl1pPr>
           </a:lstStyle>
           <a:p>
@@ -2391,39 +2396,39 @@
         </p:nvSpPr>
         <p:spPr>
           <a:xfrm>
-            <a:off x="4132378" y="1710397"/>
-            <a:ext cx="4920883" cy="8441976"/>
+            <a:off x="4132378" y="1036570"/>
+            <a:ext cx="4920883" cy="5116178"/>
           </a:xfrm>
         </p:spPr>
         <p:txBody>
           <a:bodyPr/>
           <a:lstStyle>
             <a:lvl1pPr>
-              <a:defRPr sz="3402"/>
+              <a:defRPr sz="3359"/>
             </a:lvl1pPr>
             <a:lvl2pPr>
-              <a:defRPr sz="2976"/>
+              <a:defRPr sz="2939"/>
             </a:lvl2pPr>
             <a:lvl3pPr>
-              <a:defRPr sz="2551"/>
+              <a:defRPr sz="2520"/>
             </a:lvl3pPr>
             <a:lvl4pPr>
-              <a:defRPr sz="2126"/>
+              <a:defRPr sz="2100"/>
             </a:lvl4pPr>
             <a:lvl5pPr>
-              <a:defRPr sz="2126"/>
+              <a:defRPr sz="2100"/>
             </a:lvl5pPr>
             <a:lvl6pPr>
-              <a:defRPr sz="2126"/>
+              <a:defRPr sz="2100"/>
             </a:lvl6pPr>
             <a:lvl7pPr>
-              <a:defRPr sz="2126"/>
+              <a:defRPr sz="2100"/>
             </a:lvl7pPr>
             <a:lvl8pPr>
-              <a:defRPr sz="2126"/>
+              <a:defRPr sz="2100"/>
             </a:lvl8pPr>
             <a:lvl9pPr>
-              <a:defRPr sz="2126"/>
+              <a:defRPr sz="2100"/>
             </a:lvl9pPr>
           </a:lstStyle>
           <a:p>
@@ -2476,8 +2481,8 @@
         </p:nvSpPr>
         <p:spPr>
           <a:xfrm>
-            <a:off x="669534" y="3563779"/>
-            <a:ext cx="3135038" cy="6602341"/>
+            <a:off x="669534" y="2159794"/>
+            <a:ext cx="3135038" cy="4001285"/>
           </a:xfrm>
         </p:spPr>
         <p:txBody>
@@ -2485,39 +2490,39 @@
           <a:lstStyle>
             <a:lvl1pPr marL="0" indent="0">
               <a:buNone/>
-              <a:defRPr sz="1701"/>
+              <a:defRPr sz="1680"/>
             </a:lvl1pPr>
-            <a:lvl2pPr marL="486004" indent="0">
-              <a:buNone/>
-              <a:defRPr sz="1488"/>
+            <a:lvl2pPr marL="479969" indent="0">
+              <a:buNone/>
+              <a:defRPr sz="1470"/>
             </a:lvl2pPr>
-            <a:lvl3pPr marL="972007" indent="0">
-              <a:buNone/>
-              <a:defRPr sz="1276"/>
+            <a:lvl3pPr marL="959937" indent="0">
+              <a:buNone/>
+              <a:defRPr sz="1260"/>
             </a:lvl3pPr>
-            <a:lvl4pPr marL="1458011" indent="0">
-              <a:buNone/>
-              <a:defRPr sz="1063"/>
+            <a:lvl4pPr marL="1439906" indent="0">
+              <a:buNone/>
+              <a:defRPr sz="1050"/>
             </a:lvl4pPr>
-            <a:lvl5pPr marL="1944014" indent="0">
-              <a:buNone/>
-              <a:defRPr sz="1063"/>
+            <a:lvl5pPr marL="1919874" indent="0">
+              <a:buNone/>
+              <a:defRPr sz="1050"/>
             </a:lvl5pPr>
-            <a:lvl6pPr marL="2430018" indent="0">
-              <a:buNone/>
-              <a:defRPr sz="1063"/>
+            <a:lvl6pPr marL="2399843" indent="0">
+              <a:buNone/>
+              <a:defRPr sz="1050"/>
             </a:lvl6pPr>
-            <a:lvl7pPr marL="2916022" indent="0">
-              <a:buNone/>
-              <a:defRPr sz="1063"/>
+            <a:lvl7pPr marL="2879811" indent="0">
+              <a:buNone/>
+              <a:defRPr sz="1050"/>
             </a:lvl7pPr>
-            <a:lvl8pPr marL="3402025" indent="0">
-              <a:buNone/>
-              <a:defRPr sz="1063"/>
+            <a:lvl8pPr marL="3359780" indent="0">
+              <a:buNone/>
+              <a:defRPr sz="1050"/>
             </a:lvl8pPr>
-            <a:lvl9pPr marL="3888029" indent="0">
-              <a:buNone/>
-              <a:defRPr sz="1063"/>
+            <a:lvl9pPr marL="3839748" indent="0">
+              <a:buNone/>
+              <a:defRPr sz="1050"/>
             </a:lvl9pPr>
           </a:lstStyle>
           <a:p>
@@ -2546,7 +2551,7 @@
           <a:p>
             <a:fld id="{A671DD95-2F7A-814C-93FC-55293BBF9003}" type="datetimeFigureOut">
               <a:rPr lang="en-US" smtClean="0"/>
-              <a:t>7/2/25</a:t>
+              <a:t>7/5/25</a:t>
             </a:fld>
             <a:endParaRPr lang="en-US"/>
           </a:p>
@@ -2597,7 +2602,7 @@
     </p:spTree>
     <p:extLst>
       <p:ext uri="{BB962C8B-B14F-4D97-AF65-F5344CB8AC3E}">
-        <p14:creationId xmlns:p14="http://schemas.microsoft.com/office/powerpoint/2010/main" val="2315340406"/>
+        <p14:creationId xmlns:p14="http://schemas.microsoft.com/office/powerpoint/2010/main" val="1216248493"/>
       </p:ext>
     </p:extLst>
   </p:cSld>
@@ -2636,15 +2641,15 @@
         </p:nvSpPr>
         <p:spPr>
           <a:xfrm>
-            <a:off x="669534" y="791951"/>
-            <a:ext cx="3135038" cy="2771828"/>
+            <a:off x="669534" y="479954"/>
+            <a:ext cx="3135038" cy="1679840"/>
           </a:xfrm>
         </p:spPr>
         <p:txBody>
           <a:bodyPr anchor="b"/>
           <a:lstStyle>
             <a:lvl1pPr>
-              <a:defRPr sz="3402"/>
+              <a:defRPr sz="3359"/>
             </a:lvl1pPr>
           </a:lstStyle>
           <a:p>
@@ -2668,8 +2673,8 @@
         </p:nvSpPr>
         <p:spPr>
           <a:xfrm>
-            <a:off x="4132378" y="1710397"/>
-            <a:ext cx="4920883" cy="8441976"/>
+            <a:off x="4132378" y="1036570"/>
+            <a:ext cx="4920883" cy="5116178"/>
           </a:xfrm>
         </p:spPr>
         <p:txBody>
@@ -2677,39 +2682,39 @@
           <a:lstStyle>
             <a:lvl1pPr marL="0" indent="0">
               <a:buNone/>
-              <a:defRPr sz="3402"/>
+              <a:defRPr sz="3359"/>
             </a:lvl1pPr>
-            <a:lvl2pPr marL="486004" indent="0">
-              <a:buNone/>
-              <a:defRPr sz="2976"/>
+            <a:lvl2pPr marL="479969" indent="0">
+              <a:buNone/>
+              <a:defRPr sz="2939"/>
             </a:lvl2pPr>
-            <a:lvl3pPr marL="972007" indent="0">
-              <a:buNone/>
-              <a:defRPr sz="2551"/>
+            <a:lvl3pPr marL="959937" indent="0">
+              <a:buNone/>
+              <a:defRPr sz="2520"/>
             </a:lvl3pPr>
-            <a:lvl4pPr marL="1458011" indent="0">
-              <a:buNone/>
-              <a:defRPr sz="2126"/>
+            <a:lvl4pPr marL="1439906" indent="0">
+              <a:buNone/>
+              <a:defRPr sz="2100"/>
             </a:lvl4pPr>
-            <a:lvl5pPr marL="1944014" indent="0">
-              <a:buNone/>
-              <a:defRPr sz="2126"/>
+            <a:lvl5pPr marL="1919874" indent="0">
+              <a:buNone/>
+              <a:defRPr sz="2100"/>
             </a:lvl5pPr>
-            <a:lvl6pPr marL="2430018" indent="0">
-              <a:buNone/>
-              <a:defRPr sz="2126"/>
+            <a:lvl6pPr marL="2399843" indent="0">
+              <a:buNone/>
+              <a:defRPr sz="2100"/>
             </a:lvl6pPr>
-            <a:lvl7pPr marL="2916022" indent="0">
-              <a:buNone/>
-              <a:defRPr sz="2126"/>
+            <a:lvl7pPr marL="2879811" indent="0">
+              <a:buNone/>
+              <a:defRPr sz="2100"/>
             </a:lvl7pPr>
-            <a:lvl8pPr marL="3402025" indent="0">
-              <a:buNone/>
-              <a:defRPr sz="2126"/>
+            <a:lvl8pPr marL="3359780" indent="0">
+              <a:buNone/>
+              <a:defRPr sz="2100"/>
             </a:lvl8pPr>
-            <a:lvl9pPr marL="3888029" indent="0">
-              <a:buNone/>
-              <a:defRPr sz="2126"/>
+            <a:lvl9pPr marL="3839748" indent="0">
+              <a:buNone/>
+              <a:defRPr sz="2100"/>
             </a:lvl9pPr>
           </a:lstStyle>
           <a:p>
@@ -2733,8 +2738,8 @@
         </p:nvSpPr>
         <p:spPr>
           <a:xfrm>
-            <a:off x="669534" y="3563779"/>
-            <a:ext cx="3135038" cy="6602341"/>
+            <a:off x="669534" y="2159794"/>
+            <a:ext cx="3135038" cy="4001285"/>
           </a:xfrm>
         </p:spPr>
         <p:txBody>
@@ -2742,39 +2747,39 @@
           <a:lstStyle>
             <a:lvl1pPr marL="0" indent="0">
               <a:buNone/>
-              <a:defRPr sz="1701"/>
+              <a:defRPr sz="1680"/>
             </a:lvl1pPr>
-            <a:lvl2pPr marL="486004" indent="0">
-              <a:buNone/>
-              <a:defRPr sz="1488"/>
+            <a:lvl2pPr marL="479969" indent="0">
+              <a:buNone/>
+              <a:defRPr sz="1470"/>
             </a:lvl2pPr>
-            <a:lvl3pPr marL="972007" indent="0">
-              <a:buNone/>
-              <a:defRPr sz="1276"/>
+            <a:lvl3pPr marL="959937" indent="0">
+              <a:buNone/>
+              <a:defRPr sz="1260"/>
             </a:lvl3pPr>
-            <a:lvl4pPr marL="1458011" indent="0">
-              <a:buNone/>
-              <a:defRPr sz="1063"/>
+            <a:lvl4pPr marL="1439906" indent="0">
+              <a:buNone/>
+              <a:defRPr sz="1050"/>
             </a:lvl4pPr>
-            <a:lvl5pPr marL="1944014" indent="0">
-              <a:buNone/>
-              <a:defRPr sz="1063"/>
+            <a:lvl5pPr marL="1919874" indent="0">
+              <a:buNone/>
+              <a:defRPr sz="1050"/>
             </a:lvl5pPr>
-            <a:lvl6pPr marL="2430018" indent="0">
-              <a:buNone/>
-              <a:defRPr sz="1063"/>
+            <a:lvl6pPr marL="2399843" indent="0">
+              <a:buNone/>
+              <a:defRPr sz="1050"/>
             </a:lvl6pPr>
-            <a:lvl7pPr marL="2916022" indent="0">
-              <a:buNone/>
-              <a:defRPr sz="1063"/>
+            <a:lvl7pPr marL="2879811" indent="0">
+              <a:buNone/>
+              <a:defRPr sz="1050"/>
             </a:lvl7pPr>
-            <a:lvl8pPr marL="3402025" indent="0">
-              <a:buNone/>
-              <a:defRPr sz="1063"/>
+            <a:lvl8pPr marL="3359780" indent="0">
+              <a:buNone/>
+              <a:defRPr sz="1050"/>
             </a:lvl8pPr>
-            <a:lvl9pPr marL="3888029" indent="0">
-              <a:buNone/>
-              <a:defRPr sz="1063"/>
+            <a:lvl9pPr marL="3839748" indent="0">
+              <a:buNone/>
+              <a:defRPr sz="1050"/>
             </a:lvl9pPr>
           </a:lstStyle>
           <a:p>
@@ -2803,7 +2808,7 @@
           <a:p>
             <a:fld id="{A671DD95-2F7A-814C-93FC-55293BBF9003}" type="datetimeFigureOut">
               <a:rPr lang="en-US" smtClean="0"/>
-              <a:t>7/2/25</a:t>
+              <a:t>7/5/25</a:t>
             </a:fld>
             <a:endParaRPr lang="en-US"/>
           </a:p>
@@ -2854,7 +2859,7 @@
     </p:spTree>
     <p:extLst>
       <p:ext uri="{BB962C8B-B14F-4D97-AF65-F5344CB8AC3E}">
-        <p14:creationId xmlns:p14="http://schemas.microsoft.com/office/powerpoint/2010/main" val="1211129434"/>
+        <p14:creationId xmlns:p14="http://schemas.microsoft.com/office/powerpoint/2010/main" val="120787448"/>
       </p:ext>
     </p:extLst>
   </p:cSld>
@@ -2898,8 +2903,8 @@
         </p:nvSpPr>
         <p:spPr>
           <a:xfrm>
-            <a:off x="668268" y="632464"/>
-            <a:ext cx="8383727" cy="2296108"/>
+            <a:off x="668268" y="383299"/>
+            <a:ext cx="8383727" cy="1391534"/>
           </a:xfrm>
           <a:prstGeom prst="rect">
             <a:avLst/>
@@ -2931,8 +2936,8 @@
         </p:nvSpPr>
         <p:spPr>
           <a:xfrm>
-            <a:off x="668268" y="3162304"/>
-            <a:ext cx="8383727" cy="7537283"/>
+            <a:off x="668268" y="1916484"/>
+            <a:ext cx="8383727" cy="4567898"/>
           </a:xfrm>
           <a:prstGeom prst="rect">
             <a:avLst/>
@@ -2993,8 +2998,8 @@
         </p:nvSpPr>
         <p:spPr>
           <a:xfrm>
-            <a:off x="668268" y="11010319"/>
-            <a:ext cx="2187059" cy="632461"/>
+            <a:off x="668268" y="6672698"/>
+            <a:ext cx="2187059" cy="383297"/>
           </a:xfrm>
           <a:prstGeom prst="rect">
             <a:avLst/>
@@ -3004,7 +3009,7 @@
           <a:bodyPr vert="horz" lIns="91440" tIns="45720" rIns="91440" bIns="45720" rtlCol="0" anchor="ctr"/>
           <a:lstStyle>
             <a:lvl1pPr algn="l">
-              <a:defRPr sz="1276">
+              <a:defRPr sz="1260">
                 <a:solidFill>
                   <a:schemeClr val="tx1">
                     <a:tint val="82000"/>
@@ -3016,7 +3021,7 @@
           <a:p>
             <a:fld id="{A671DD95-2F7A-814C-93FC-55293BBF9003}" type="datetimeFigureOut">
               <a:rPr lang="en-US" smtClean="0"/>
-              <a:t>7/2/25</a:t>
+              <a:t>7/5/25</a:t>
             </a:fld>
             <a:endParaRPr lang="en-US"/>
           </a:p>
@@ -3034,8 +3039,8 @@
         </p:nvSpPr>
         <p:spPr>
           <a:xfrm>
-            <a:off x="3219837" y="11010319"/>
-            <a:ext cx="3280589" cy="632461"/>
+            <a:off x="3219837" y="6672698"/>
+            <a:ext cx="3280589" cy="383297"/>
           </a:xfrm>
           <a:prstGeom prst="rect">
             <a:avLst/>
@@ -3045,7 +3050,7 @@
           <a:bodyPr vert="horz" lIns="91440" tIns="45720" rIns="91440" bIns="45720" rtlCol="0" anchor="ctr"/>
           <a:lstStyle>
             <a:lvl1pPr algn="ctr">
-              <a:defRPr sz="1276">
+              <a:defRPr sz="1260">
                 <a:solidFill>
                   <a:schemeClr val="tx1">
                     <a:tint val="82000"/>
@@ -3071,8 +3076,8 @@
         </p:nvSpPr>
         <p:spPr>
           <a:xfrm>
-            <a:off x="6864936" y="11010319"/>
-            <a:ext cx="2187059" cy="632461"/>
+            <a:off x="6864936" y="6672698"/>
+            <a:ext cx="2187059" cy="383297"/>
           </a:xfrm>
           <a:prstGeom prst="rect">
             <a:avLst/>
@@ -3082,7 +3087,7 @@
           <a:bodyPr vert="horz" lIns="91440" tIns="45720" rIns="91440" bIns="45720" rtlCol="0" anchor="ctr"/>
           <a:lstStyle>
             <a:lvl1pPr algn="r">
-              <a:defRPr sz="1276">
+              <a:defRPr sz="1260">
                 <a:solidFill>
                   <a:schemeClr val="tx1">
                     <a:tint val="82000"/>
@@ -3103,27 +3108,27 @@
     </p:spTree>
     <p:extLst>
       <p:ext uri="{BB962C8B-B14F-4D97-AF65-F5344CB8AC3E}">
-        <p14:creationId xmlns:p14="http://schemas.microsoft.com/office/powerpoint/2010/main" val="719531452"/>
+        <p14:creationId xmlns:p14="http://schemas.microsoft.com/office/powerpoint/2010/main" val="2069790776"/>
       </p:ext>
     </p:extLst>
   </p:cSld>
   <p:clrMap bg1="lt1" tx1="dk1" bg2="lt2" tx2="dk2" accent1="accent1" accent2="accent2" accent3="accent3" accent4="accent4" accent5="accent5" accent6="accent6" hlink="hlink" folHlink="folHlink"/>
   <p:sldLayoutIdLst>
-    <p:sldLayoutId id="2147483769" r:id="rId1"/>
-    <p:sldLayoutId id="2147483770" r:id="rId2"/>
-    <p:sldLayoutId id="2147483771" r:id="rId3"/>
-    <p:sldLayoutId id="2147483772" r:id="rId4"/>
-    <p:sldLayoutId id="2147483773" r:id="rId5"/>
-    <p:sldLayoutId id="2147483774" r:id="rId6"/>
-    <p:sldLayoutId id="2147483775" r:id="rId7"/>
-    <p:sldLayoutId id="2147483776" r:id="rId8"/>
-    <p:sldLayoutId id="2147483777" r:id="rId9"/>
-    <p:sldLayoutId id="2147483778" r:id="rId10"/>
-    <p:sldLayoutId id="2147483779" r:id="rId11"/>
+    <p:sldLayoutId id="2147483793" r:id="rId1"/>
+    <p:sldLayoutId id="2147483794" r:id="rId2"/>
+    <p:sldLayoutId id="2147483795" r:id="rId3"/>
+    <p:sldLayoutId id="2147483796" r:id="rId4"/>
+    <p:sldLayoutId id="2147483797" r:id="rId5"/>
+    <p:sldLayoutId id="2147483798" r:id="rId6"/>
+    <p:sldLayoutId id="2147483799" r:id="rId7"/>
+    <p:sldLayoutId id="2147483800" r:id="rId8"/>
+    <p:sldLayoutId id="2147483801" r:id="rId9"/>
+    <p:sldLayoutId id="2147483802" r:id="rId10"/>
+    <p:sldLayoutId id="2147483803" r:id="rId11"/>
   </p:sldLayoutIdLst>
   <p:txStyles>
     <p:titleStyle>
-      <a:lvl1pPr algn="l" defTabSz="972007" rtl="0" eaLnBrk="1" latinLnBrk="0" hangingPunct="1">
+      <a:lvl1pPr algn="l" defTabSz="959937" rtl="0" eaLnBrk="1" latinLnBrk="0" hangingPunct="1">
         <a:lnSpc>
           <a:spcPct val="90000"/>
         </a:lnSpc>
@@ -3131,7 +3136,7 @@
           <a:spcPct val="0"/>
         </a:spcBef>
         <a:buNone/>
-        <a:defRPr sz="4677" kern="1200">
+        <a:defRPr sz="4619" kern="1200">
           <a:solidFill>
             <a:schemeClr val="tx1"/>
           </a:solidFill>
@@ -3142,16 +3147,16 @@
       </a:lvl1pPr>
     </p:titleStyle>
     <p:bodyStyle>
-      <a:lvl1pPr marL="243002" indent="-243002" algn="l" defTabSz="972007" rtl="0" eaLnBrk="1" latinLnBrk="0" hangingPunct="1">
+      <a:lvl1pPr marL="239984" indent="-239984" algn="l" defTabSz="959937" rtl="0" eaLnBrk="1" latinLnBrk="0" hangingPunct="1">
         <a:lnSpc>
           <a:spcPct val="90000"/>
         </a:lnSpc>
         <a:spcBef>
-          <a:spcPts val="1063"/>
+          <a:spcPts val="1050"/>
         </a:spcBef>
         <a:buFont typeface="Arial" panose="020B0604020202020204" pitchFamily="34" charset="0"/>
         <a:buChar char="•"/>
-        <a:defRPr sz="2976" kern="1200">
+        <a:defRPr sz="2939" kern="1200">
           <a:solidFill>
             <a:schemeClr val="tx1"/>
           </a:solidFill>
@@ -3160,16 +3165,16 @@
           <a:cs typeface="+mn-cs"/>
         </a:defRPr>
       </a:lvl1pPr>
-      <a:lvl2pPr marL="729005" indent="-243002" algn="l" defTabSz="972007" rtl="0" eaLnBrk="1" latinLnBrk="0" hangingPunct="1">
+      <a:lvl2pPr marL="719953" indent="-239984" algn="l" defTabSz="959937" rtl="0" eaLnBrk="1" latinLnBrk="0" hangingPunct="1">
         <a:lnSpc>
           <a:spcPct val="90000"/>
         </a:lnSpc>
         <a:spcBef>
-          <a:spcPts val="532"/>
+          <a:spcPts val="525"/>
         </a:spcBef>
         <a:buFont typeface="Arial" panose="020B0604020202020204" pitchFamily="34" charset="0"/>
         <a:buChar char="•"/>
-        <a:defRPr sz="2551" kern="1200">
+        <a:defRPr sz="2520" kern="1200">
           <a:solidFill>
             <a:schemeClr val="tx1"/>
           </a:solidFill>
@@ -3178,16 +3183,16 @@
           <a:cs typeface="+mn-cs"/>
         </a:defRPr>
       </a:lvl2pPr>
-      <a:lvl3pPr marL="1215009" indent="-243002" algn="l" defTabSz="972007" rtl="0" eaLnBrk="1" latinLnBrk="0" hangingPunct="1">
+      <a:lvl3pPr marL="1199921" indent="-239984" algn="l" defTabSz="959937" rtl="0" eaLnBrk="1" latinLnBrk="0" hangingPunct="1">
         <a:lnSpc>
           <a:spcPct val="90000"/>
         </a:lnSpc>
         <a:spcBef>
-          <a:spcPts val="532"/>
+          <a:spcPts val="525"/>
         </a:spcBef>
         <a:buFont typeface="Arial" panose="020B0604020202020204" pitchFamily="34" charset="0"/>
         <a:buChar char="•"/>
-        <a:defRPr sz="2126" kern="1200">
+        <a:defRPr sz="2100" kern="1200">
           <a:solidFill>
             <a:schemeClr val="tx1"/>
           </a:solidFill>
@@ -3196,16 +3201,16 @@
           <a:cs typeface="+mn-cs"/>
         </a:defRPr>
       </a:lvl3pPr>
-      <a:lvl4pPr marL="1701013" indent="-243002" algn="l" defTabSz="972007" rtl="0" eaLnBrk="1" latinLnBrk="0" hangingPunct="1">
+      <a:lvl4pPr marL="1679890" indent="-239984" algn="l" defTabSz="959937" rtl="0" eaLnBrk="1" latinLnBrk="0" hangingPunct="1">
         <a:lnSpc>
           <a:spcPct val="90000"/>
         </a:lnSpc>
         <a:spcBef>
-          <a:spcPts val="532"/>
+          <a:spcPts val="525"/>
         </a:spcBef>
         <a:buFont typeface="Arial" panose="020B0604020202020204" pitchFamily="34" charset="0"/>
         <a:buChar char="•"/>
-        <a:defRPr sz="1913" kern="1200">
+        <a:defRPr sz="1890" kern="1200">
           <a:solidFill>
             <a:schemeClr val="tx1"/>
           </a:solidFill>
@@ -3214,16 +3219,16 @@
           <a:cs typeface="+mn-cs"/>
         </a:defRPr>
       </a:lvl4pPr>
-      <a:lvl5pPr marL="2187016" indent="-243002" algn="l" defTabSz="972007" rtl="0" eaLnBrk="1" latinLnBrk="0" hangingPunct="1">
+      <a:lvl5pPr marL="2159859" indent="-239984" algn="l" defTabSz="959937" rtl="0" eaLnBrk="1" latinLnBrk="0" hangingPunct="1">
         <a:lnSpc>
           <a:spcPct val="90000"/>
         </a:lnSpc>
         <a:spcBef>
-          <a:spcPts val="532"/>
+          <a:spcPts val="525"/>
         </a:spcBef>
         <a:buFont typeface="Arial" panose="020B0604020202020204" pitchFamily="34" charset="0"/>
         <a:buChar char="•"/>
-        <a:defRPr sz="1913" kern="1200">
+        <a:defRPr sz="1890" kern="1200">
           <a:solidFill>
             <a:schemeClr val="tx1"/>
           </a:solidFill>
@@ -3232,16 +3237,16 @@
           <a:cs typeface="+mn-cs"/>
         </a:defRPr>
       </a:lvl5pPr>
-      <a:lvl6pPr marL="2673020" indent="-243002" algn="l" defTabSz="972007" rtl="0" eaLnBrk="1" latinLnBrk="0" hangingPunct="1">
+      <a:lvl6pPr marL="2639827" indent="-239984" algn="l" defTabSz="959937" rtl="0" eaLnBrk="1" latinLnBrk="0" hangingPunct="1">
         <a:lnSpc>
           <a:spcPct val="90000"/>
         </a:lnSpc>
         <a:spcBef>
-          <a:spcPts val="532"/>
+          <a:spcPts val="525"/>
         </a:spcBef>
         <a:buFont typeface="Arial" panose="020B0604020202020204" pitchFamily="34" charset="0"/>
         <a:buChar char="•"/>
-        <a:defRPr sz="1913" kern="1200">
+        <a:defRPr sz="1890" kern="1200">
           <a:solidFill>
             <a:schemeClr val="tx1"/>
           </a:solidFill>
@@ -3250,16 +3255,16 @@
           <a:cs typeface="+mn-cs"/>
         </a:defRPr>
       </a:lvl6pPr>
-      <a:lvl7pPr marL="3159023" indent="-243002" algn="l" defTabSz="972007" rtl="0" eaLnBrk="1" latinLnBrk="0" hangingPunct="1">
+      <a:lvl7pPr marL="3119796" indent="-239984" algn="l" defTabSz="959937" rtl="0" eaLnBrk="1" latinLnBrk="0" hangingPunct="1">
         <a:lnSpc>
           <a:spcPct val="90000"/>
         </a:lnSpc>
         <a:spcBef>
-          <a:spcPts val="532"/>
+          <a:spcPts val="525"/>
         </a:spcBef>
         <a:buFont typeface="Arial" panose="020B0604020202020204" pitchFamily="34" charset="0"/>
         <a:buChar char="•"/>
-        <a:defRPr sz="1913" kern="1200">
+        <a:defRPr sz="1890" kern="1200">
           <a:solidFill>
             <a:schemeClr val="tx1"/>
           </a:solidFill>
@@ -3268,16 +3273,16 @@
           <a:cs typeface="+mn-cs"/>
         </a:defRPr>
       </a:lvl7pPr>
-      <a:lvl8pPr marL="3645027" indent="-243002" algn="l" defTabSz="972007" rtl="0" eaLnBrk="1" latinLnBrk="0" hangingPunct="1">
+      <a:lvl8pPr marL="3599764" indent="-239984" algn="l" defTabSz="959937" rtl="0" eaLnBrk="1" latinLnBrk="0" hangingPunct="1">
         <a:lnSpc>
           <a:spcPct val="90000"/>
         </a:lnSpc>
         <a:spcBef>
-          <a:spcPts val="532"/>
+          <a:spcPts val="525"/>
         </a:spcBef>
         <a:buFont typeface="Arial" panose="020B0604020202020204" pitchFamily="34" charset="0"/>
         <a:buChar char="•"/>
-        <a:defRPr sz="1913" kern="1200">
+        <a:defRPr sz="1890" kern="1200">
           <a:solidFill>
             <a:schemeClr val="tx1"/>
           </a:solidFill>
@@ -3286,16 +3291,16 @@
           <a:cs typeface="+mn-cs"/>
         </a:defRPr>
       </a:lvl8pPr>
-      <a:lvl9pPr marL="4131031" indent="-243002" algn="l" defTabSz="972007" rtl="0" eaLnBrk="1" latinLnBrk="0" hangingPunct="1">
+      <a:lvl9pPr marL="4079733" indent="-239984" algn="l" defTabSz="959937" rtl="0" eaLnBrk="1" latinLnBrk="0" hangingPunct="1">
         <a:lnSpc>
           <a:spcPct val="90000"/>
         </a:lnSpc>
         <a:spcBef>
-          <a:spcPts val="532"/>
+          <a:spcPts val="525"/>
         </a:spcBef>
         <a:buFont typeface="Arial" panose="020B0604020202020204" pitchFamily="34" charset="0"/>
         <a:buChar char="•"/>
-        <a:defRPr sz="1913" kern="1200">
+        <a:defRPr sz="1890" kern="1200">
           <a:solidFill>
             <a:schemeClr val="tx1"/>
           </a:solidFill>
@@ -3309,8 +3314,8 @@
       <a:defPPr>
         <a:defRPr lang="en-US"/>
       </a:defPPr>
-      <a:lvl1pPr marL="0" algn="l" defTabSz="972007" rtl="0" eaLnBrk="1" latinLnBrk="0" hangingPunct="1">
-        <a:defRPr sz="1913" kern="1200">
+      <a:lvl1pPr marL="0" algn="l" defTabSz="959937" rtl="0" eaLnBrk="1" latinLnBrk="0" hangingPunct="1">
+        <a:defRPr sz="1890" kern="1200">
           <a:solidFill>
             <a:schemeClr val="tx1"/>
           </a:solidFill>
@@ -3319,8 +3324,8 @@
           <a:cs typeface="+mn-cs"/>
         </a:defRPr>
       </a:lvl1pPr>
-      <a:lvl2pPr marL="486004" algn="l" defTabSz="972007" rtl="0" eaLnBrk="1" latinLnBrk="0" hangingPunct="1">
-        <a:defRPr sz="1913" kern="1200">
+      <a:lvl2pPr marL="479969" algn="l" defTabSz="959937" rtl="0" eaLnBrk="1" latinLnBrk="0" hangingPunct="1">
+        <a:defRPr sz="1890" kern="1200">
           <a:solidFill>
             <a:schemeClr val="tx1"/>
           </a:solidFill>
@@ -3329,8 +3334,8 @@
           <a:cs typeface="+mn-cs"/>
         </a:defRPr>
       </a:lvl2pPr>
-      <a:lvl3pPr marL="972007" algn="l" defTabSz="972007" rtl="0" eaLnBrk="1" latinLnBrk="0" hangingPunct="1">
-        <a:defRPr sz="1913" kern="1200">
+      <a:lvl3pPr marL="959937" algn="l" defTabSz="959937" rtl="0" eaLnBrk="1" latinLnBrk="0" hangingPunct="1">
+        <a:defRPr sz="1890" kern="1200">
           <a:solidFill>
             <a:schemeClr val="tx1"/>
           </a:solidFill>
@@ -3339,8 +3344,8 @@
           <a:cs typeface="+mn-cs"/>
         </a:defRPr>
       </a:lvl3pPr>
-      <a:lvl4pPr marL="1458011" algn="l" defTabSz="972007" rtl="0" eaLnBrk="1" latinLnBrk="0" hangingPunct="1">
-        <a:defRPr sz="1913" kern="1200">
+      <a:lvl4pPr marL="1439906" algn="l" defTabSz="959937" rtl="0" eaLnBrk="1" latinLnBrk="0" hangingPunct="1">
+        <a:defRPr sz="1890" kern="1200">
           <a:solidFill>
             <a:schemeClr val="tx1"/>
           </a:solidFill>
@@ -3349,8 +3354,8 @@
           <a:cs typeface="+mn-cs"/>
         </a:defRPr>
       </a:lvl4pPr>
-      <a:lvl5pPr marL="1944014" algn="l" defTabSz="972007" rtl="0" eaLnBrk="1" latinLnBrk="0" hangingPunct="1">
-        <a:defRPr sz="1913" kern="1200">
+      <a:lvl5pPr marL="1919874" algn="l" defTabSz="959937" rtl="0" eaLnBrk="1" latinLnBrk="0" hangingPunct="1">
+        <a:defRPr sz="1890" kern="1200">
           <a:solidFill>
             <a:schemeClr val="tx1"/>
           </a:solidFill>
@@ -3359,8 +3364,8 @@
           <a:cs typeface="+mn-cs"/>
         </a:defRPr>
       </a:lvl5pPr>
-      <a:lvl6pPr marL="2430018" algn="l" defTabSz="972007" rtl="0" eaLnBrk="1" latinLnBrk="0" hangingPunct="1">
-        <a:defRPr sz="1913" kern="1200">
+      <a:lvl6pPr marL="2399843" algn="l" defTabSz="959937" rtl="0" eaLnBrk="1" latinLnBrk="0" hangingPunct="1">
+        <a:defRPr sz="1890" kern="1200">
           <a:solidFill>
             <a:schemeClr val="tx1"/>
           </a:solidFill>
@@ -3369,8 +3374,8 @@
           <a:cs typeface="+mn-cs"/>
         </a:defRPr>
       </a:lvl6pPr>
-      <a:lvl7pPr marL="2916022" algn="l" defTabSz="972007" rtl="0" eaLnBrk="1" latinLnBrk="0" hangingPunct="1">
-        <a:defRPr sz="1913" kern="1200">
+      <a:lvl7pPr marL="2879811" algn="l" defTabSz="959937" rtl="0" eaLnBrk="1" latinLnBrk="0" hangingPunct="1">
+        <a:defRPr sz="1890" kern="1200">
           <a:solidFill>
             <a:schemeClr val="tx1"/>
           </a:solidFill>
@@ -3379,8 +3384,8 @@
           <a:cs typeface="+mn-cs"/>
         </a:defRPr>
       </a:lvl7pPr>
-      <a:lvl8pPr marL="3402025" algn="l" defTabSz="972007" rtl="0" eaLnBrk="1" latinLnBrk="0" hangingPunct="1">
-        <a:defRPr sz="1913" kern="1200">
+      <a:lvl8pPr marL="3359780" algn="l" defTabSz="959937" rtl="0" eaLnBrk="1" latinLnBrk="0" hangingPunct="1">
+        <a:defRPr sz="1890" kern="1200">
           <a:solidFill>
             <a:schemeClr val="tx1"/>
           </a:solidFill>
@@ -3389,8 +3394,8 @@
           <a:cs typeface="+mn-cs"/>
         </a:defRPr>
       </a:lvl8pPr>
-      <a:lvl9pPr marL="3888029" algn="l" defTabSz="972007" rtl="0" eaLnBrk="1" latinLnBrk="0" hangingPunct="1">
-        <a:defRPr sz="1913" kern="1200">
+      <a:lvl9pPr marL="3839748" algn="l" defTabSz="959937" rtl="0" eaLnBrk="1" latinLnBrk="0" hangingPunct="1">
+        <a:defRPr sz="1890" kern="1200">
           <a:solidFill>
             <a:schemeClr val="tx1"/>
           </a:solidFill>
@@ -3429,10 +3434,10 @@
       </p:grpSpPr>
       <p:pic>
         <p:nvPicPr>
-          <p:cNvPr id="3" name="Graphic 2">
+          <p:cNvPr id="55" name="Graphic 54">
             <a:extLst>
               <a:ext uri="{FF2B5EF4-FFF2-40B4-BE49-F238E27FC236}">
-                <a16:creationId xmlns:a16="http://schemas.microsoft.com/office/drawing/2014/main" id="{D0DA4ED3-A5A4-1108-7DEC-C1625B124E5C}"/>
+                <a16:creationId xmlns:a16="http://schemas.microsoft.com/office/drawing/2014/main" id="{1E209967-05EB-04B3-26BB-CD50F8D2294E}"/>
               </a:ext>
             </a:extLst>
           </p:cNvPr>
@@ -3442,10 +3447,10 @@
           <p:nvPr/>
         </p:nvPicPr>
         <p:blipFill>
-          <a:blip r:embed="rId4">
+          <a:blip r:embed="rId3">
             <a:extLst>
               <a:ext uri="{96DAC541-7B7A-43D3-8B79-37D633B846F1}">
-                <asvg:svgBlip xmlns:asvg="http://schemas.microsoft.com/office/drawing/2016/SVG/main" r:embed="rId5"/>
+                <asvg:svgBlip xmlns:asvg="http://schemas.microsoft.com/office/drawing/2016/SVG/main" r:embed="rId4"/>
               </a:ext>
             </a:extLst>
           </a:blip>
@@ -3455,37 +3460,8 @@
         </p:blipFill>
         <p:spPr>
           <a:xfrm>
-            <a:off x="1994002" y="4338300"/>
-            <a:ext cx="2439198" cy="2683117"/>
-          </a:xfrm>
-          <a:prstGeom prst="rect">
-            <a:avLst/>
-          </a:prstGeom>
-        </p:spPr>
-      </p:pic>
-      <p:pic>
-        <p:nvPicPr>
-          <p:cNvPr id="4" name="Graphic 3">
-            <a:extLst>
-              <a:ext uri="{FF2B5EF4-FFF2-40B4-BE49-F238E27FC236}">
-                <a16:creationId xmlns:a16="http://schemas.microsoft.com/office/drawing/2014/main" id="{F42F8874-E660-558F-6A97-D28908C0B203}"/>
-              </a:ext>
-            </a:extLst>
-          </p:cNvPr>
-          <p:cNvPicPr>
-            <a:picLocks noChangeAspect="1"/>
-          </p:cNvPicPr>
-          <p:nvPr/>
-        </p:nvPicPr>
-        <p:blipFill>
-          <a:blip r:embed="rId6"/>
-          <a:srcRect/>
-          <a:stretch/>
-        </p:blipFill>
-        <p:spPr>
-          <a:xfrm>
-            <a:off x="6829023" y="4338300"/>
-            <a:ext cx="2439197" cy="2683117"/>
+            <a:off x="6381191" y="863835"/>
+            <a:ext cx="2376209" cy="2970261"/>
           </a:xfrm>
           <a:prstGeom prst="rect">
             <a:avLst/>
@@ -3494,10 +3470,10 @@
       </p:pic>
       <p:grpSp>
         <p:nvGrpSpPr>
-          <p:cNvPr id="61" name="Group 60">
+          <p:cNvPr id="63" name="Group 62">
             <a:extLst>
               <a:ext uri="{FF2B5EF4-FFF2-40B4-BE49-F238E27FC236}">
-                <a16:creationId xmlns:a16="http://schemas.microsoft.com/office/drawing/2014/main" id="{71D28105-2F68-34EB-D0A0-5FBEBC24B741}"/>
+                <a16:creationId xmlns:a16="http://schemas.microsoft.com/office/drawing/2014/main" id="{EC6669DC-F7D0-FD61-F227-AA6C5354346C}"/>
               </a:ext>
             </a:extLst>
           </p:cNvPr>
@@ -3506,18 +3482,303 @@
         </p:nvGrpSpPr>
         <p:grpSpPr>
           <a:xfrm>
-            <a:off x="5178856" y="4997762"/>
-            <a:ext cx="1364808" cy="1690943"/>
-            <a:chOff x="5251593" y="6873855"/>
-            <a:chExt cx="1364808" cy="1690943"/>
+            <a:off x="607481" y="444738"/>
+            <a:ext cx="5114174" cy="3490573"/>
+            <a:chOff x="708210" y="2861528"/>
+            <a:chExt cx="5114174" cy="3490573"/>
           </a:xfrm>
         </p:grpSpPr>
+        <p:pic>
+          <p:nvPicPr>
+            <p:cNvPr id="57" name="Graphic 56">
+              <a:extLst>
+                <a:ext uri="{FF2B5EF4-FFF2-40B4-BE49-F238E27FC236}">
+                  <a16:creationId xmlns:a16="http://schemas.microsoft.com/office/drawing/2014/main" id="{4EEA9C2E-8B26-4078-274E-8D10F6627558}"/>
+                </a:ext>
+              </a:extLst>
+            </p:cNvPr>
+            <p:cNvPicPr>
+              <a:picLocks noChangeAspect="1"/>
+            </p:cNvPicPr>
+            <p:nvPr/>
+          </p:nvPicPr>
+          <p:blipFill>
+            <a:blip r:embed="rId5">
+              <a:extLst>
+                <a:ext uri="{96DAC541-7B7A-43D3-8B79-37D633B846F1}">
+                  <asvg:svgBlip xmlns:asvg="http://schemas.microsoft.com/office/drawing/2016/SVG/main" r:embed="rId6"/>
+                </a:ext>
+              </a:extLst>
+            </a:blip>
+            <a:srcRect/>
+            <a:stretch/>
+          </p:blipFill>
+          <p:spPr>
+            <a:xfrm>
+              <a:off x="708210" y="3362414"/>
+              <a:ext cx="5114174" cy="2876722"/>
+            </a:xfrm>
+            <a:prstGeom prst="rect">
+              <a:avLst/>
+            </a:prstGeom>
+          </p:spPr>
+        </p:pic>
+        <p:sp>
+          <p:nvSpPr>
+            <p:cNvPr id="58" name="TextBox 57">
+              <a:extLst>
+                <a:ext uri="{FF2B5EF4-FFF2-40B4-BE49-F238E27FC236}">
+                  <a16:creationId xmlns:a16="http://schemas.microsoft.com/office/drawing/2014/main" id="{81CEBF88-AB85-40A0-9E20-228111F9E1F3}"/>
+                </a:ext>
+              </a:extLst>
+            </p:cNvPr>
+            <p:cNvSpPr txBox="1"/>
+            <p:nvPr/>
+          </p:nvSpPr>
+          <p:spPr>
+            <a:xfrm>
+              <a:off x="834625" y="2861528"/>
+              <a:ext cx="728084" cy="523220"/>
+            </a:xfrm>
+            <a:prstGeom prst="rect">
+              <a:avLst/>
+            </a:prstGeom>
+            <a:noFill/>
+          </p:spPr>
+          <p:txBody>
+            <a:bodyPr wrap="none" rtlCol="0">
+              <a:spAutoFit/>
+            </a:bodyPr>
+            <a:lstStyle/>
+            <a:p>
+              <a:pPr algn="ctr"/>
+              <a:r>
+                <a:rPr lang="en-US" sz="1400" dirty="0">
+                  <a:latin typeface="Avenir Light" panose="020B0402020203020204" pitchFamily="34" charset="77"/>
+                </a:rPr>
+                <a:t>Look</a:t>
+              </a:r>
+            </a:p>
+            <a:p>
+              <a:pPr algn="ctr"/>
+              <a:r>
+                <a:rPr lang="en-US" sz="1400" dirty="0">
+                  <a:latin typeface="Avenir Light" panose="020B0402020203020204" pitchFamily="34" charset="77"/>
+                </a:rPr>
+                <a:t>at gain</a:t>
+              </a:r>
+            </a:p>
+          </p:txBody>
+        </p:sp>
+        <p:sp>
+          <p:nvSpPr>
+            <p:cNvPr id="59" name="TextBox 58">
+              <a:extLst>
+                <a:ext uri="{FF2B5EF4-FFF2-40B4-BE49-F238E27FC236}">
+                  <a16:creationId xmlns:a16="http://schemas.microsoft.com/office/drawing/2014/main" id="{521F93C5-D440-51B9-3062-0D88869653DE}"/>
+                </a:ext>
+              </a:extLst>
+            </p:cNvPr>
+            <p:cNvSpPr txBox="1"/>
+            <p:nvPr/>
+          </p:nvSpPr>
+          <p:spPr>
+            <a:xfrm>
+              <a:off x="861180" y="5828881"/>
+              <a:ext cx="688009" cy="523220"/>
+            </a:xfrm>
+            <a:prstGeom prst="rect">
+              <a:avLst/>
+            </a:prstGeom>
+            <a:noFill/>
+          </p:spPr>
+          <p:txBody>
+            <a:bodyPr wrap="none" rtlCol="0">
+              <a:spAutoFit/>
+            </a:bodyPr>
+            <a:lstStyle/>
+            <a:p>
+              <a:pPr algn="ctr"/>
+              <a:r>
+                <a:rPr lang="en-US" sz="1400" dirty="0">
+                  <a:latin typeface="Avenir Light" panose="020B0402020203020204" pitchFamily="34" charset="77"/>
+                </a:rPr>
+                <a:t>Look</a:t>
+              </a:r>
+            </a:p>
+            <a:p>
+              <a:pPr algn="ctr"/>
+              <a:r>
+                <a:rPr lang="en-US" sz="1400" dirty="0">
+                  <a:latin typeface="Avenir Light" panose="020B0402020203020204" pitchFamily="34" charset="77"/>
+                </a:rPr>
+                <a:t>at loss</a:t>
+              </a:r>
+            </a:p>
+          </p:txBody>
+        </p:sp>
+      </p:grpSp>
+      <p:sp>
+        <p:nvSpPr>
+          <p:cNvPr id="2" name="TextBox 1">
+            <a:extLst>
+              <a:ext uri="{FF2B5EF4-FFF2-40B4-BE49-F238E27FC236}">
+                <a16:creationId xmlns:a16="http://schemas.microsoft.com/office/drawing/2014/main" id="{3202226A-6377-EDF0-9034-72578B3F8957}"/>
+              </a:ext>
+            </a:extLst>
+          </p:cNvPr>
+          <p:cNvSpPr txBox="1"/>
+          <p:nvPr/>
+        </p:nvSpPr>
+        <p:spPr>
+          <a:xfrm>
+            <a:off x="308815" y="145213"/>
+            <a:ext cx="335348" cy="400110"/>
+          </a:xfrm>
+          <a:prstGeom prst="rect">
+            <a:avLst/>
+          </a:prstGeom>
+          <a:noFill/>
+        </p:spPr>
+        <p:txBody>
+          <a:bodyPr wrap="none" rtlCol="0">
+            <a:spAutoFit/>
+          </a:bodyPr>
+          <a:lstStyle/>
+          <a:p>
+            <a:r>
+              <a:rPr lang="en-US" sz="2000" dirty="0"/>
+              <a:t>A</a:t>
+            </a:r>
+          </a:p>
+        </p:txBody>
+      </p:sp>
+      <p:sp>
+        <p:nvSpPr>
+          <p:cNvPr id="5" name="TextBox 4">
+            <a:extLst>
+              <a:ext uri="{FF2B5EF4-FFF2-40B4-BE49-F238E27FC236}">
+                <a16:creationId xmlns:a16="http://schemas.microsoft.com/office/drawing/2014/main" id="{D2D97ECC-AEC1-4161-F344-2D18DFDB4969}"/>
+              </a:ext>
+            </a:extLst>
+          </p:cNvPr>
+          <p:cNvSpPr txBox="1"/>
+          <p:nvPr/>
+        </p:nvSpPr>
+        <p:spPr>
+          <a:xfrm>
+            <a:off x="6114843" y="145213"/>
+            <a:ext cx="340158" cy="400110"/>
+          </a:xfrm>
+          <a:prstGeom prst="rect">
+            <a:avLst/>
+          </a:prstGeom>
+          <a:noFill/>
+        </p:spPr>
+        <p:txBody>
+          <a:bodyPr wrap="none" rtlCol="0">
+            <a:spAutoFit/>
+          </a:bodyPr>
+          <a:lstStyle/>
+          <a:p>
+            <a:r>
+              <a:rPr lang="en-US" sz="2000" dirty="0"/>
+              <a:t>B</a:t>
+            </a:r>
+          </a:p>
+        </p:txBody>
+      </p:sp>
+      <p:grpSp>
+        <p:nvGrpSpPr>
+          <p:cNvPr id="14" name="Group 13">
+            <a:extLst>
+              <a:ext uri="{FF2B5EF4-FFF2-40B4-BE49-F238E27FC236}">
+                <a16:creationId xmlns:a16="http://schemas.microsoft.com/office/drawing/2014/main" id="{04577A85-16EE-0988-E5D4-5BA1BDF5F288}"/>
+              </a:ext>
+            </a:extLst>
+          </p:cNvPr>
+          <p:cNvGrpSpPr/>
+          <p:nvPr/>
+        </p:nvGrpSpPr>
+        <p:grpSpPr>
+          <a:xfrm>
+            <a:off x="308815" y="4223635"/>
+            <a:ext cx="8931415" cy="2683117"/>
+            <a:chOff x="308815" y="4223635"/>
+            <a:chExt cx="8931415" cy="2683117"/>
+          </a:xfrm>
+        </p:grpSpPr>
+        <p:pic>
+          <p:nvPicPr>
+            <p:cNvPr id="3" name="Graphic 2">
+              <a:extLst>
+                <a:ext uri="{FF2B5EF4-FFF2-40B4-BE49-F238E27FC236}">
+                  <a16:creationId xmlns:a16="http://schemas.microsoft.com/office/drawing/2014/main" id="{D0DA4ED3-A5A4-1108-7DEC-C1625B124E5C}"/>
+                </a:ext>
+              </a:extLst>
+            </p:cNvPr>
+            <p:cNvPicPr>
+              <a:picLocks noChangeAspect="1"/>
+            </p:cNvPicPr>
+            <p:nvPr/>
+          </p:nvPicPr>
+          <p:blipFill>
+            <a:blip r:embed="rId7">
+              <a:extLst>
+                <a:ext uri="{96DAC541-7B7A-43D3-8B79-37D633B846F1}">
+                  <asvg:svgBlip xmlns:asvg="http://schemas.microsoft.com/office/drawing/2016/SVG/main" r:embed="rId8"/>
+                </a:ext>
+              </a:extLst>
+            </a:blip>
+            <a:stretch>
+              <a:fillRect/>
+            </a:stretch>
+          </p:blipFill>
+          <p:spPr>
+            <a:xfrm>
+              <a:off x="1966010" y="4223635"/>
+              <a:ext cx="2439198" cy="2683117"/>
+            </a:xfrm>
+            <a:prstGeom prst="rect">
+              <a:avLst/>
+            </a:prstGeom>
+          </p:spPr>
+        </p:pic>
+        <p:pic>
+          <p:nvPicPr>
+            <p:cNvPr id="4" name="Graphic 3">
+              <a:extLst>
+                <a:ext uri="{FF2B5EF4-FFF2-40B4-BE49-F238E27FC236}">
+                  <a16:creationId xmlns:a16="http://schemas.microsoft.com/office/drawing/2014/main" id="{F42F8874-E660-558F-6A97-D28908C0B203}"/>
+                </a:ext>
+              </a:extLst>
+            </p:cNvPr>
+            <p:cNvPicPr>
+              <a:picLocks noChangeAspect="1"/>
+            </p:cNvPicPr>
+            <p:nvPr/>
+          </p:nvPicPr>
+          <p:blipFill>
+            <a:blip r:embed="rId9"/>
+            <a:srcRect/>
+            <a:stretch/>
+          </p:blipFill>
+          <p:spPr>
+            <a:xfrm>
+              <a:off x="6801033" y="4223635"/>
+              <a:ext cx="2439197" cy="2683117"/>
+            </a:xfrm>
+            <a:prstGeom prst="rect">
+              <a:avLst/>
+            </a:prstGeom>
+          </p:spPr>
+        </p:pic>
         <p:grpSp>
           <p:nvGrpSpPr>
-            <p:cNvPr id="28" name="Group 27">
+            <p:cNvPr id="61" name="Group 60">
               <a:extLst>
                 <a:ext uri="{FF2B5EF4-FFF2-40B4-BE49-F238E27FC236}">
-                  <a16:creationId xmlns:a16="http://schemas.microsoft.com/office/drawing/2014/main" id="{59155117-437C-9EB8-C189-DD1C812E958F}"/>
+                  <a16:creationId xmlns:a16="http://schemas.microsoft.com/office/drawing/2014/main" id="{71D28105-2F68-34EB-D0A0-5FBEBC24B741}"/>
                 </a:ext>
               </a:extLst>
             </p:cNvPr>
@@ -3526,10 +3787,10 @@
           </p:nvGrpSpPr>
           <p:grpSpPr>
             <a:xfrm>
-              <a:off x="5251593" y="6873855"/>
-              <a:ext cx="1364808" cy="938233"/>
-              <a:chOff x="2152692" y="6269253"/>
-              <a:chExt cx="2244141" cy="1548000"/>
+              <a:off x="5199730" y="4910411"/>
+              <a:ext cx="1285339" cy="1663628"/>
+              <a:chOff x="5300458" y="6901170"/>
+              <a:chExt cx="1285339" cy="1663628"/>
             </a:xfrm>
           </p:grpSpPr>
           <p:grpSp>
@@ -3546,8 +3807,8 @@
             </p:nvGrpSpPr>
             <p:grpSpPr>
               <a:xfrm>
-                <a:off x="2233041" y="6314321"/>
-                <a:ext cx="2113471" cy="1457864"/>
+                <a:off x="5300458" y="6901170"/>
+                <a:ext cx="1285339" cy="883602"/>
                 <a:chOff x="1647646" y="1595561"/>
                 <a:chExt cx="2113471" cy="1457864"/>
               </a:xfrm>
@@ -3648,10 +3909,53 @@
           </p:grpSp>
           <p:sp>
             <p:nvSpPr>
-              <p:cNvPr id="30" name="Rectangle 29">
+              <p:cNvPr id="33" name="TextBox 32">
                 <a:extLst>
                   <a:ext uri="{FF2B5EF4-FFF2-40B4-BE49-F238E27FC236}">
-                    <a16:creationId xmlns:a16="http://schemas.microsoft.com/office/drawing/2014/main" id="{23A4C786-D0D2-C640-8D78-7CD7A5C8E01A}"/>
+                    <a16:creationId xmlns:a16="http://schemas.microsoft.com/office/drawing/2014/main" id="{B8E97908-C70F-36AC-2CBB-598CA05B3F4A}"/>
+                  </a:ext>
+                </a:extLst>
+              </p:cNvPr>
+              <p:cNvSpPr txBox="1"/>
+              <p:nvPr/>
+            </p:nvSpPr>
+            <p:spPr>
+              <a:xfrm>
+                <a:off x="6048294" y="7078592"/>
+                <a:ext cx="311304" cy="523220"/>
+              </a:xfrm>
+              <a:prstGeom prst="rect">
+                <a:avLst/>
+              </a:prstGeom>
+              <a:noFill/>
+            </p:spPr>
+            <p:txBody>
+              <a:bodyPr wrap="none" rtlCol="0">
+                <a:spAutoFit/>
+              </a:bodyPr>
+              <a:lstStyle/>
+              <a:p>
+                <a:pPr algn="ctr"/>
+                <a:r>
+                  <a:rPr lang="en-US" sz="2800" b="1" dirty="0">
+                    <a:solidFill>
+                      <a:schemeClr val="bg1">
+                        <a:lumMod val="65000"/>
+                      </a:schemeClr>
+                    </a:solidFill>
+                    <a:latin typeface="Avenir Light" panose="020B0402020203020204" pitchFamily="34" charset="77"/>
+                  </a:rPr>
+                  <a:t>-</a:t>
+                </a:r>
+              </a:p>
+            </p:txBody>
+          </p:sp>
+          <p:sp>
+            <p:nvSpPr>
+              <p:cNvPr id="34" name="Freeform 33">
+                <a:extLst>
+                  <a:ext uri="{FF2B5EF4-FFF2-40B4-BE49-F238E27FC236}">
+                    <a16:creationId xmlns:a16="http://schemas.microsoft.com/office/drawing/2014/main" id="{2E54DA69-F62A-BED4-25C3-B44728490662}"/>
                   </a:ext>
                 </a:extLst>
               </p:cNvPr>
@@ -3662,415 +3966,261 @@
             </p:nvSpPr>
             <p:spPr>
               <a:xfrm>
-                <a:off x="2152692" y="6269253"/>
-                <a:ext cx="2244141" cy="1548000"/>
+                <a:off x="5619123" y="7950221"/>
+                <a:ext cx="524884" cy="614577"/>
               </a:xfrm>
-              <a:prstGeom prst="rect">
+              <a:custGeom>
                 <a:avLst/>
-              </a:prstGeom>
-              <a:noFill/>
-              <a:ln>
-                <a:solidFill>
-                  <a:schemeClr val="tx1"/>
-                </a:solidFill>
+                <a:gdLst>
+                  <a:gd name="connsiteX0" fmla="*/ 147926 w 710045"/>
+                  <a:gd name="connsiteY0" fmla="*/ 207845 h 831379"/>
+                  <a:gd name="connsiteX1" fmla="*/ 355023 w 710045"/>
+                  <a:gd name="connsiteY1" fmla="*/ 0 h 831379"/>
+                  <a:gd name="connsiteX2" fmla="*/ 562119 w 710045"/>
+                  <a:gd name="connsiteY2" fmla="*/ 207845 h 831379"/>
+                  <a:gd name="connsiteX3" fmla="*/ 355023 w 710045"/>
+                  <a:gd name="connsiteY3" fmla="*/ 415690 h 831379"/>
+                  <a:gd name="connsiteX4" fmla="*/ 147926 w 710045"/>
+                  <a:gd name="connsiteY4" fmla="*/ 207845 h 831379"/>
+                  <a:gd name="connsiteX5" fmla="*/ 355023 w 710045"/>
+                  <a:gd name="connsiteY5" fmla="*/ 445382 h 831379"/>
+                  <a:gd name="connsiteX6" fmla="*/ 0 w 710045"/>
+                  <a:gd name="connsiteY6" fmla="*/ 801688 h 831379"/>
+                  <a:gd name="connsiteX7" fmla="*/ 29585 w 710045"/>
+                  <a:gd name="connsiteY7" fmla="*/ 831380 h 831379"/>
+                  <a:gd name="connsiteX8" fmla="*/ 680460 w 710045"/>
+                  <a:gd name="connsiteY8" fmla="*/ 831380 h 831379"/>
+                  <a:gd name="connsiteX9" fmla="*/ 710045 w 710045"/>
+                  <a:gd name="connsiteY9" fmla="*/ 801688 h 831379"/>
+                  <a:gd name="connsiteX10" fmla="*/ 355023 w 710045"/>
+                  <a:gd name="connsiteY10" fmla="*/ 445382 h 831379"/>
+                </a:gdLst>
+                <a:ahLst/>
+                <a:cxnLst>
+                  <a:cxn ang="0">
+                    <a:pos x="connsiteX0" y="connsiteY0"/>
+                  </a:cxn>
+                  <a:cxn ang="0">
+                    <a:pos x="connsiteX1" y="connsiteY1"/>
+                  </a:cxn>
+                  <a:cxn ang="0">
+                    <a:pos x="connsiteX2" y="connsiteY2"/>
+                  </a:cxn>
+                  <a:cxn ang="0">
+                    <a:pos x="connsiteX3" y="connsiteY3"/>
+                  </a:cxn>
+                  <a:cxn ang="0">
+                    <a:pos x="connsiteX4" y="connsiteY4"/>
+                  </a:cxn>
+                  <a:cxn ang="0">
+                    <a:pos x="connsiteX5" y="connsiteY5"/>
+                  </a:cxn>
+                  <a:cxn ang="0">
+                    <a:pos x="connsiteX6" y="connsiteY6"/>
+                  </a:cxn>
+                  <a:cxn ang="0">
+                    <a:pos x="connsiteX7" y="connsiteY7"/>
+                  </a:cxn>
+                  <a:cxn ang="0">
+                    <a:pos x="connsiteX8" y="connsiteY8"/>
+                  </a:cxn>
+                  <a:cxn ang="0">
+                    <a:pos x="connsiteX9" y="connsiteY9"/>
+                  </a:cxn>
+                  <a:cxn ang="0">
+                    <a:pos x="connsiteX10" y="connsiteY10"/>
+                  </a:cxn>
+                </a:cxnLst>
+                <a:rect l="l" t="t" r="r" b="b"/>
+                <a:pathLst>
+                  <a:path w="710045" h="831379">
+                    <a:moveTo>
+                      <a:pt x="147926" y="207845"/>
+                    </a:moveTo>
+                    <a:cubicBezTo>
+                      <a:pt x="147926" y="93238"/>
+                      <a:pt x="240861" y="0"/>
+                      <a:pt x="355023" y="0"/>
+                    </a:cubicBezTo>
+                    <a:cubicBezTo>
+                      <a:pt x="469185" y="0"/>
+                      <a:pt x="562119" y="93233"/>
+                      <a:pt x="562119" y="207845"/>
+                    </a:cubicBezTo>
+                    <a:cubicBezTo>
+                      <a:pt x="562119" y="322457"/>
+                      <a:pt x="469185" y="415690"/>
+                      <a:pt x="355023" y="415690"/>
+                    </a:cubicBezTo>
+                    <a:cubicBezTo>
+                      <a:pt x="240861" y="415690"/>
+                      <a:pt x="147926" y="322457"/>
+                      <a:pt x="147926" y="207845"/>
+                    </a:cubicBezTo>
+                    <a:close/>
+                    <a:moveTo>
+                      <a:pt x="355023" y="445382"/>
+                    </a:moveTo>
+                    <a:cubicBezTo>
+                      <a:pt x="159240" y="445382"/>
+                      <a:pt x="0" y="605197"/>
+                      <a:pt x="0" y="801688"/>
+                    </a:cubicBezTo>
+                    <a:cubicBezTo>
+                      <a:pt x="0" y="818093"/>
+                      <a:pt x="13239" y="831380"/>
+                      <a:pt x="29585" y="831380"/>
+                    </a:cubicBezTo>
+                    <a:lnTo>
+                      <a:pt x="680460" y="831380"/>
+                    </a:lnTo>
+                    <a:cubicBezTo>
+                      <a:pt x="696806" y="831380"/>
+                      <a:pt x="710045" y="818093"/>
+                      <a:pt x="710045" y="801688"/>
+                    </a:cubicBezTo>
+                    <a:cubicBezTo>
+                      <a:pt x="710045" y="605197"/>
+                      <a:pt x="550806" y="445382"/>
+                      <a:pt x="355023" y="445382"/>
+                    </a:cubicBezTo>
+                    <a:close/>
+                  </a:path>
+                </a:pathLst>
+              </a:custGeom>
+              <a:solidFill>
+                <a:srgbClr val="000000"/>
+              </a:solidFill>
+              <a:ln w="9438" cap="flat">
+                <a:noFill/>
+                <a:prstDash val="solid"/>
+                <a:miter/>
               </a:ln>
             </p:spPr>
-            <p:style>
-              <a:lnRef idx="2">
-                <a:schemeClr val="accent1">
-                  <a:shade val="15000"/>
-                </a:schemeClr>
-              </a:lnRef>
-              <a:fillRef idx="1">
-                <a:schemeClr val="accent1"/>
-              </a:fillRef>
-              <a:effectRef idx="0">
-                <a:schemeClr val="accent1"/>
-              </a:effectRef>
-              <a:fontRef idx="minor">
-                <a:schemeClr val="lt1"/>
-              </a:fontRef>
-            </p:style>
             <p:txBody>
               <a:bodyPr rtlCol="0" anchor="ctr"/>
               <a:lstStyle/>
               <a:p>
-                <a:pPr algn="ctr"/>
                 <a:endParaRPr lang="en-US" dirty="0"/>
               </a:p>
             </p:txBody>
           </p:sp>
-        </p:grpSp>
-        <p:sp>
-          <p:nvSpPr>
-            <p:cNvPr id="33" name="TextBox 32">
-              <a:extLst>
-                <a:ext uri="{FF2B5EF4-FFF2-40B4-BE49-F238E27FC236}">
-                  <a16:creationId xmlns:a16="http://schemas.microsoft.com/office/drawing/2014/main" id="{B8E97908-C70F-36AC-2CBB-598CA05B3F4A}"/>
-                </a:ext>
-              </a:extLst>
-            </p:cNvPr>
-            <p:cNvSpPr txBox="1"/>
-            <p:nvPr/>
-          </p:nvSpPr>
-          <p:spPr>
-            <a:xfrm>
-              <a:off x="6048294" y="7078592"/>
-              <a:ext cx="311304" cy="523220"/>
-            </a:xfrm>
-            <a:prstGeom prst="rect">
-              <a:avLst/>
-            </a:prstGeom>
-            <a:noFill/>
-          </p:spPr>
-          <p:txBody>
-            <a:bodyPr wrap="none" rtlCol="0">
-              <a:spAutoFit/>
-            </a:bodyPr>
-            <a:lstStyle/>
-            <a:p>
-              <a:pPr algn="ctr"/>
-              <a:r>
-                <a:rPr lang="en-US" sz="2800" b="1" dirty="0">
-                  <a:solidFill>
-                    <a:schemeClr val="bg1">
-                      <a:lumMod val="65000"/>
-                    </a:schemeClr>
-                  </a:solidFill>
-                  <a:latin typeface="Avenir Light" panose="020B0402020203020204" pitchFamily="34" charset="77"/>
-                </a:rPr>
-                <a:t>-</a:t>
-              </a:r>
-            </a:p>
-          </p:txBody>
-        </p:sp>
-        <p:sp>
-          <p:nvSpPr>
-            <p:cNvPr id="34" name="Freeform 33">
-              <a:extLst>
-                <a:ext uri="{FF2B5EF4-FFF2-40B4-BE49-F238E27FC236}">
-                  <a16:creationId xmlns:a16="http://schemas.microsoft.com/office/drawing/2014/main" id="{2E54DA69-F62A-BED4-25C3-B44728490662}"/>
-                </a:ext>
-              </a:extLst>
-            </p:cNvPr>
-            <p:cNvSpPr>
-              <a:spLocks noChangeAspect="1"/>
-            </p:cNvSpPr>
-            <p:nvPr/>
-          </p:nvSpPr>
-          <p:spPr>
-            <a:xfrm>
-              <a:off x="5619123" y="7950221"/>
-              <a:ext cx="524884" cy="614577"/>
-            </a:xfrm>
-            <a:custGeom>
-              <a:avLst/>
-              <a:gdLst>
-                <a:gd name="connsiteX0" fmla="*/ 147926 w 710045"/>
-                <a:gd name="connsiteY0" fmla="*/ 207845 h 831379"/>
-                <a:gd name="connsiteX1" fmla="*/ 355023 w 710045"/>
-                <a:gd name="connsiteY1" fmla="*/ 0 h 831379"/>
-                <a:gd name="connsiteX2" fmla="*/ 562119 w 710045"/>
-                <a:gd name="connsiteY2" fmla="*/ 207845 h 831379"/>
-                <a:gd name="connsiteX3" fmla="*/ 355023 w 710045"/>
-                <a:gd name="connsiteY3" fmla="*/ 415690 h 831379"/>
-                <a:gd name="connsiteX4" fmla="*/ 147926 w 710045"/>
-                <a:gd name="connsiteY4" fmla="*/ 207845 h 831379"/>
-                <a:gd name="connsiteX5" fmla="*/ 355023 w 710045"/>
-                <a:gd name="connsiteY5" fmla="*/ 445382 h 831379"/>
-                <a:gd name="connsiteX6" fmla="*/ 0 w 710045"/>
-                <a:gd name="connsiteY6" fmla="*/ 801688 h 831379"/>
-                <a:gd name="connsiteX7" fmla="*/ 29585 w 710045"/>
-                <a:gd name="connsiteY7" fmla="*/ 831380 h 831379"/>
-                <a:gd name="connsiteX8" fmla="*/ 680460 w 710045"/>
-                <a:gd name="connsiteY8" fmla="*/ 831380 h 831379"/>
-                <a:gd name="connsiteX9" fmla="*/ 710045 w 710045"/>
-                <a:gd name="connsiteY9" fmla="*/ 801688 h 831379"/>
-                <a:gd name="connsiteX10" fmla="*/ 355023 w 710045"/>
-                <a:gd name="connsiteY10" fmla="*/ 445382 h 831379"/>
-              </a:gdLst>
-              <a:ahLst/>
-              <a:cxnLst>
-                <a:cxn ang="0">
-                  <a:pos x="connsiteX0" y="connsiteY0"/>
-                </a:cxn>
-                <a:cxn ang="0">
-                  <a:pos x="connsiteX1" y="connsiteY1"/>
-                </a:cxn>
-                <a:cxn ang="0">
-                  <a:pos x="connsiteX2" y="connsiteY2"/>
-                </a:cxn>
-                <a:cxn ang="0">
-                  <a:pos x="connsiteX3" y="connsiteY3"/>
-                </a:cxn>
-                <a:cxn ang="0">
-                  <a:pos x="connsiteX4" y="connsiteY4"/>
-                </a:cxn>
-                <a:cxn ang="0">
-                  <a:pos x="connsiteX5" y="connsiteY5"/>
-                </a:cxn>
-                <a:cxn ang="0">
-                  <a:pos x="connsiteX6" y="connsiteY6"/>
-                </a:cxn>
-                <a:cxn ang="0">
-                  <a:pos x="connsiteX7" y="connsiteY7"/>
-                </a:cxn>
-                <a:cxn ang="0">
-                  <a:pos x="connsiteX8" y="connsiteY8"/>
-                </a:cxn>
-                <a:cxn ang="0">
-                  <a:pos x="connsiteX9" y="connsiteY9"/>
-                </a:cxn>
-                <a:cxn ang="0">
-                  <a:pos x="connsiteX10" y="connsiteY10"/>
-                </a:cxn>
-              </a:cxnLst>
-              <a:rect l="l" t="t" r="r" b="b"/>
-              <a:pathLst>
-                <a:path w="710045" h="831379">
-                  <a:moveTo>
-                    <a:pt x="147926" y="207845"/>
-                  </a:moveTo>
-                  <a:cubicBezTo>
-                    <a:pt x="147926" y="93238"/>
-                    <a:pt x="240861" y="0"/>
-                    <a:pt x="355023" y="0"/>
-                  </a:cubicBezTo>
-                  <a:cubicBezTo>
-                    <a:pt x="469185" y="0"/>
-                    <a:pt x="562119" y="93233"/>
-                    <a:pt x="562119" y="207845"/>
-                  </a:cubicBezTo>
-                  <a:cubicBezTo>
-                    <a:pt x="562119" y="322457"/>
-                    <a:pt x="469185" y="415690"/>
-                    <a:pt x="355023" y="415690"/>
-                  </a:cubicBezTo>
-                  <a:cubicBezTo>
-                    <a:pt x="240861" y="415690"/>
-                    <a:pt x="147926" y="322457"/>
-                    <a:pt x="147926" y="207845"/>
-                  </a:cubicBezTo>
-                  <a:close/>
-                  <a:moveTo>
-                    <a:pt x="355023" y="445382"/>
-                  </a:moveTo>
-                  <a:cubicBezTo>
-                    <a:pt x="159240" y="445382"/>
-                    <a:pt x="0" y="605197"/>
-                    <a:pt x="0" y="801688"/>
-                  </a:cubicBezTo>
-                  <a:cubicBezTo>
-                    <a:pt x="0" y="818093"/>
-                    <a:pt x="13239" y="831380"/>
-                    <a:pt x="29585" y="831380"/>
-                  </a:cubicBezTo>
-                  <a:lnTo>
-                    <a:pt x="680460" y="831380"/>
-                  </a:lnTo>
-                  <a:cubicBezTo>
-                    <a:pt x="696806" y="831380"/>
-                    <a:pt x="710045" y="818093"/>
-                    <a:pt x="710045" y="801688"/>
-                  </a:cubicBezTo>
-                  <a:cubicBezTo>
-                    <a:pt x="710045" y="605197"/>
-                    <a:pt x="550806" y="445382"/>
-                    <a:pt x="355023" y="445382"/>
-                  </a:cubicBezTo>
-                  <a:close/>
-                </a:path>
-              </a:pathLst>
-            </a:custGeom>
-            <a:solidFill>
-              <a:srgbClr val="000000"/>
-            </a:solidFill>
-            <a:ln w="9438" cap="flat">
-              <a:noFill/>
-              <a:prstDash val="solid"/>
-              <a:miter/>
-            </a:ln>
-          </p:spPr>
-          <p:txBody>
-            <a:bodyPr rtlCol="0" anchor="ctr"/>
-            <a:lstStyle/>
-            <a:p>
-              <a:endParaRPr lang="en-US" dirty="0"/>
-            </a:p>
-          </p:txBody>
-        </p:sp>
-        <p:grpSp>
-          <p:nvGrpSpPr>
-            <p:cNvPr id="37" name="Group 36">
-              <a:extLst>
-                <a:ext uri="{FF2B5EF4-FFF2-40B4-BE49-F238E27FC236}">
-                  <a16:creationId xmlns:a16="http://schemas.microsoft.com/office/drawing/2014/main" id="{1D60E79F-F78B-CD64-6795-9689AC24E27E}"/>
-                </a:ext>
-              </a:extLst>
-            </p:cNvPr>
-            <p:cNvGrpSpPr/>
-            <p:nvPr/>
-          </p:nvGrpSpPr>
-          <p:grpSpPr>
-            <a:xfrm rot="559262" flipH="1">
-              <a:off x="5941468" y="7446206"/>
-              <a:ext cx="210805" cy="518498"/>
-              <a:chOff x="5681703" y="7558233"/>
-              <a:chExt cx="210805" cy="403443"/>
-            </a:xfrm>
-          </p:grpSpPr>
-          <p:cxnSp>
-            <p:nvCxnSpPr>
-              <p:cNvPr id="35" name="Straight Connector 34">
+          <p:grpSp>
+            <p:nvGrpSpPr>
+              <p:cNvPr id="37" name="Group 36">
                 <a:extLst>
                   <a:ext uri="{FF2B5EF4-FFF2-40B4-BE49-F238E27FC236}">
-                    <a16:creationId xmlns:a16="http://schemas.microsoft.com/office/drawing/2014/main" id="{CB5B76B2-9C03-C284-8DB0-34377E5F5BD7}"/>
+                    <a16:creationId xmlns:a16="http://schemas.microsoft.com/office/drawing/2014/main" id="{1D60E79F-F78B-CD64-6795-9689AC24E27E}"/>
                   </a:ext>
                 </a:extLst>
               </p:cNvPr>
-              <p:cNvCxnSpPr>
-                <a:cxnSpLocks/>
-              </p:cNvCxnSpPr>
+              <p:cNvGrpSpPr/>
               <p:nvPr/>
-            </p:nvCxnSpPr>
-            <p:spPr>
-              <a:xfrm flipH="1" flipV="1">
-                <a:off x="5681703" y="7565676"/>
-                <a:ext cx="46678" cy="396000"/>
+            </p:nvGrpSpPr>
+            <p:grpSpPr>
+              <a:xfrm rot="559262" flipH="1">
+                <a:off x="5941468" y="7446206"/>
+                <a:ext cx="210805" cy="518498"/>
+                <a:chOff x="5681703" y="7558233"/>
+                <a:chExt cx="210805" cy="403443"/>
               </a:xfrm>
-              <a:prstGeom prst="line">
-                <a:avLst/>
-              </a:prstGeom>
-              <a:ln w="19050">
-                <a:solidFill>
-                  <a:srgbClr val="70CACE"/>
-                </a:solidFill>
-                <a:prstDash val="dash"/>
-              </a:ln>
-            </p:spPr>
-            <p:style>
-              <a:lnRef idx="2">
-                <a:schemeClr val="accent1"/>
-              </a:lnRef>
-              <a:fillRef idx="0">
-                <a:schemeClr val="accent1"/>
-              </a:fillRef>
-              <a:effectRef idx="1">
-                <a:schemeClr val="accent1"/>
-              </a:effectRef>
-              <a:fontRef idx="minor">
-                <a:schemeClr val="tx1"/>
-              </a:fontRef>
-            </p:style>
-          </p:cxnSp>
-          <p:cxnSp>
-            <p:nvCxnSpPr>
-              <p:cNvPr id="36" name="Straight Connector 35">
-                <a:extLst>
-                  <a:ext uri="{FF2B5EF4-FFF2-40B4-BE49-F238E27FC236}">
-                    <a16:creationId xmlns:a16="http://schemas.microsoft.com/office/drawing/2014/main" id="{0E48D4DC-FD83-14BD-DDEF-85E2F48C725B}"/>
-                  </a:ext>
-                </a:extLst>
-              </p:cNvPr>
-              <p:cNvCxnSpPr>
-                <a:cxnSpLocks/>
-              </p:cNvCxnSpPr>
-              <p:nvPr/>
-            </p:nvCxnSpPr>
-            <p:spPr>
-              <a:xfrm flipH="1" flipV="1">
-                <a:off x="5749830" y="7558233"/>
-                <a:ext cx="142678" cy="360000"/>
-              </a:xfrm>
-              <a:prstGeom prst="line">
-                <a:avLst/>
-              </a:prstGeom>
-              <a:ln w="19050">
-                <a:solidFill>
-                  <a:srgbClr val="70CACE"/>
-                </a:solidFill>
-                <a:prstDash val="dash"/>
-              </a:ln>
-            </p:spPr>
-            <p:style>
-              <a:lnRef idx="2">
-                <a:schemeClr val="accent1"/>
-              </a:lnRef>
-              <a:fillRef idx="0">
-                <a:schemeClr val="accent1"/>
-              </a:fillRef>
-              <a:effectRef idx="1">
-                <a:schemeClr val="accent1"/>
-              </a:effectRef>
-              <a:fontRef idx="minor">
-                <a:schemeClr val="tx1"/>
-              </a:fontRef>
-            </p:style>
-          </p:cxnSp>
+            </p:grpSpPr>
+            <p:cxnSp>
+              <p:nvCxnSpPr>
+                <p:cNvPr id="35" name="Straight Connector 34">
+                  <a:extLst>
+                    <a:ext uri="{FF2B5EF4-FFF2-40B4-BE49-F238E27FC236}">
+                      <a16:creationId xmlns:a16="http://schemas.microsoft.com/office/drawing/2014/main" id="{CB5B76B2-9C03-C284-8DB0-34377E5F5BD7}"/>
+                    </a:ext>
+                  </a:extLst>
+                </p:cNvPr>
+                <p:cNvCxnSpPr>
+                  <a:cxnSpLocks/>
+                </p:cNvCxnSpPr>
+                <p:nvPr/>
+              </p:nvCxnSpPr>
+              <p:spPr>
+                <a:xfrm flipH="1" flipV="1">
+                  <a:off x="5681703" y="7565676"/>
+                  <a:ext cx="46678" cy="396000"/>
+                </a:xfrm>
+                <a:prstGeom prst="line">
+                  <a:avLst/>
+                </a:prstGeom>
+                <a:ln w="19050">
+                  <a:solidFill>
+                    <a:srgbClr val="70CACE"/>
+                  </a:solidFill>
+                  <a:prstDash val="dash"/>
+                </a:ln>
+              </p:spPr>
+              <p:style>
+                <a:lnRef idx="2">
+                  <a:schemeClr val="accent1"/>
+                </a:lnRef>
+                <a:fillRef idx="0">
+                  <a:schemeClr val="accent1"/>
+                </a:fillRef>
+                <a:effectRef idx="1">
+                  <a:schemeClr val="accent1"/>
+                </a:effectRef>
+                <a:fontRef idx="minor">
+                  <a:schemeClr val="tx1"/>
+                </a:fontRef>
+              </p:style>
+            </p:cxnSp>
+            <p:cxnSp>
+              <p:nvCxnSpPr>
+                <p:cNvPr id="36" name="Straight Connector 35">
+                  <a:extLst>
+                    <a:ext uri="{FF2B5EF4-FFF2-40B4-BE49-F238E27FC236}">
+                      <a16:creationId xmlns:a16="http://schemas.microsoft.com/office/drawing/2014/main" id="{0E48D4DC-FD83-14BD-DDEF-85E2F48C725B}"/>
+                    </a:ext>
+                  </a:extLst>
+                </p:cNvPr>
+                <p:cNvCxnSpPr>
+                  <a:cxnSpLocks/>
+                </p:cNvCxnSpPr>
+                <p:nvPr/>
+              </p:nvCxnSpPr>
+              <p:spPr>
+                <a:xfrm flipH="1" flipV="1">
+                  <a:off x="5749830" y="7558233"/>
+                  <a:ext cx="142678" cy="360000"/>
+                </a:xfrm>
+                <a:prstGeom prst="line">
+                  <a:avLst/>
+                </a:prstGeom>
+                <a:ln w="19050">
+                  <a:solidFill>
+                    <a:srgbClr val="70CACE"/>
+                  </a:solidFill>
+                  <a:prstDash val="dash"/>
+                </a:ln>
+              </p:spPr>
+              <p:style>
+                <a:lnRef idx="2">
+                  <a:schemeClr val="accent1"/>
+                </a:lnRef>
+                <a:fillRef idx="0">
+                  <a:schemeClr val="accent1"/>
+                </a:fillRef>
+                <a:effectRef idx="1">
+                  <a:schemeClr val="accent1"/>
+                </a:effectRef>
+                <a:fontRef idx="minor">
+                  <a:schemeClr val="tx1"/>
+                </a:fontRef>
+              </p:style>
+            </p:cxnSp>
+          </p:grpSp>
         </p:grpSp>
-      </p:grpSp>
-      <p:pic>
-        <p:nvPicPr>
-          <p:cNvPr id="55" name="Graphic 54">
-            <a:extLst>
-              <a:ext uri="{FF2B5EF4-FFF2-40B4-BE49-F238E27FC236}">
-                <a16:creationId xmlns:a16="http://schemas.microsoft.com/office/drawing/2014/main" id="{1E209967-05EB-04B3-26BB-CD50F8D2294E}"/>
-              </a:ext>
-            </a:extLst>
-          </p:cNvPr>
-          <p:cNvPicPr>
-            <a:picLocks noChangeAspect="1"/>
-          </p:cNvPicPr>
-          <p:nvPr/>
-        </p:nvPicPr>
-        <p:blipFill>
-          <a:blip r:embed="rId7">
-            <a:extLst>
-              <a:ext uri="{96DAC541-7B7A-43D3-8B79-37D633B846F1}">
-                <asvg:svgBlip xmlns:asvg="http://schemas.microsoft.com/office/drawing/2016/SVG/main" r:embed="rId8"/>
-              </a:ext>
-            </a:extLst>
-          </a:blip>
-          <a:stretch>
-            <a:fillRect/>
-          </a:stretch>
-        </p:blipFill>
-        <p:spPr>
-          <a:xfrm>
-            <a:off x="6409181" y="978501"/>
-            <a:ext cx="2376209" cy="2970261"/>
-          </a:xfrm>
-          <a:prstGeom prst="rect">
-            <a:avLst/>
-          </a:prstGeom>
-        </p:spPr>
-      </p:pic>
-      <p:grpSp>
-        <p:nvGrpSpPr>
-          <p:cNvPr id="62" name="Group 61">
-            <a:extLst>
-              <a:ext uri="{FF2B5EF4-FFF2-40B4-BE49-F238E27FC236}">
-                <a16:creationId xmlns:a16="http://schemas.microsoft.com/office/drawing/2014/main" id="{0E36FF79-797C-07A1-09E5-62654F15A363}"/>
-              </a:ext>
-            </a:extLst>
-          </p:cNvPr>
-          <p:cNvGrpSpPr/>
-          <p:nvPr/>
-        </p:nvGrpSpPr>
-        <p:grpSpPr>
-          <a:xfrm>
-            <a:off x="359064" y="4997761"/>
-            <a:ext cx="1364808" cy="1682140"/>
-            <a:chOff x="431801" y="6873854"/>
-            <a:chExt cx="1364808" cy="1682140"/>
-          </a:xfrm>
-        </p:grpSpPr>
         <p:grpSp>
           <p:nvGrpSpPr>
-            <p:cNvPr id="10" name="Group 9">
+            <p:cNvPr id="62" name="Group 61">
               <a:extLst>
                 <a:ext uri="{FF2B5EF4-FFF2-40B4-BE49-F238E27FC236}">
-                  <a16:creationId xmlns:a16="http://schemas.microsoft.com/office/drawing/2014/main" id="{4121624F-79A2-FB35-E303-07DD229C122B}"/>
+                  <a16:creationId xmlns:a16="http://schemas.microsoft.com/office/drawing/2014/main" id="{0E36FF79-797C-07A1-09E5-62654F15A363}"/>
                 </a:ext>
               </a:extLst>
             </p:cNvPr>
@@ -4079,10 +4229,10 @@
           </p:nvGrpSpPr>
           <p:grpSpPr>
             <a:xfrm>
-              <a:off x="431801" y="6873854"/>
-              <a:ext cx="1364808" cy="938233"/>
-              <a:chOff x="2152692" y="6269253"/>
-              <a:chExt cx="2244141" cy="1548000"/>
+              <a:off x="379938" y="4910410"/>
+              <a:ext cx="1285339" cy="1654825"/>
+              <a:chOff x="480666" y="6901169"/>
+              <a:chExt cx="1285339" cy="1654825"/>
             </a:xfrm>
           </p:grpSpPr>
           <p:grpSp>
@@ -4099,8 +4249,8 @@
             </p:nvGrpSpPr>
             <p:grpSpPr>
               <a:xfrm>
-                <a:off x="2233041" y="6314321"/>
-                <a:ext cx="2113471" cy="1457864"/>
+                <a:off x="480666" y="6901169"/>
+                <a:ext cx="1285339" cy="883602"/>
                 <a:chOff x="1647646" y="1595561"/>
                 <a:chExt cx="2113471" cy="1457864"/>
               </a:xfrm>
@@ -4201,10 +4351,53 @@
           </p:grpSp>
           <p:sp>
             <p:nvSpPr>
-              <p:cNvPr id="9" name="Rectangle 8">
+              <p:cNvPr id="11" name="TextBox 10">
                 <a:extLst>
                   <a:ext uri="{FF2B5EF4-FFF2-40B4-BE49-F238E27FC236}">
-                    <a16:creationId xmlns:a16="http://schemas.microsoft.com/office/drawing/2014/main" id="{B4D95AAB-6875-4FA3-1E48-6D4853C9B8EF}"/>
+                    <a16:creationId xmlns:a16="http://schemas.microsoft.com/office/drawing/2014/main" id="{F32834A9-7325-DEC5-10A3-6244DF684E6E}"/>
+                  </a:ext>
+                </a:extLst>
+              </p:cNvPr>
+              <p:cNvSpPr txBox="1"/>
+              <p:nvPr/>
+            </p:nvSpPr>
+            <p:spPr>
+              <a:xfrm>
+                <a:off x="1228502" y="7078591"/>
+                <a:ext cx="311304" cy="523220"/>
+              </a:xfrm>
+              <a:prstGeom prst="rect">
+                <a:avLst/>
+              </a:prstGeom>
+              <a:noFill/>
+            </p:spPr>
+            <p:txBody>
+              <a:bodyPr wrap="none" rtlCol="0">
+                <a:spAutoFit/>
+              </a:bodyPr>
+              <a:lstStyle/>
+              <a:p>
+                <a:pPr algn="ctr"/>
+                <a:r>
+                  <a:rPr lang="en-US" sz="2800" b="1" dirty="0">
+                    <a:solidFill>
+                      <a:schemeClr val="bg1">
+                        <a:lumMod val="65000"/>
+                      </a:schemeClr>
+                    </a:solidFill>
+                    <a:latin typeface="Avenir Light" panose="020B0402020203020204" pitchFamily="34" charset="77"/>
+                  </a:rPr>
+                  <a:t>-</a:t>
+                </a:r>
+              </a:p>
+            </p:txBody>
+          </p:sp>
+          <p:sp>
+            <p:nvSpPr>
+              <p:cNvPr id="15" name="Freeform 14">
+                <a:extLst>
+                  <a:ext uri="{FF2B5EF4-FFF2-40B4-BE49-F238E27FC236}">
+                    <a16:creationId xmlns:a16="http://schemas.microsoft.com/office/drawing/2014/main" id="{BA820562-9506-A1E0-4BA7-763DB77523BC}"/>
                   </a:ext>
                 </a:extLst>
               </p:cNvPr>
@@ -4215,51 +4408,261 @@
             </p:nvSpPr>
             <p:spPr>
               <a:xfrm>
-                <a:off x="2152692" y="6269253"/>
-                <a:ext cx="2244141" cy="1548000"/>
+                <a:off x="796199" y="7941417"/>
+                <a:ext cx="524884" cy="614577"/>
               </a:xfrm>
-              <a:prstGeom prst="rect">
+              <a:custGeom>
                 <a:avLst/>
-              </a:prstGeom>
-              <a:noFill/>
-              <a:ln>
-                <a:solidFill>
-                  <a:schemeClr val="tx1"/>
-                </a:solidFill>
+                <a:gdLst>
+                  <a:gd name="connsiteX0" fmla="*/ 147926 w 710045"/>
+                  <a:gd name="connsiteY0" fmla="*/ 207845 h 831379"/>
+                  <a:gd name="connsiteX1" fmla="*/ 355023 w 710045"/>
+                  <a:gd name="connsiteY1" fmla="*/ 0 h 831379"/>
+                  <a:gd name="connsiteX2" fmla="*/ 562119 w 710045"/>
+                  <a:gd name="connsiteY2" fmla="*/ 207845 h 831379"/>
+                  <a:gd name="connsiteX3" fmla="*/ 355023 w 710045"/>
+                  <a:gd name="connsiteY3" fmla="*/ 415690 h 831379"/>
+                  <a:gd name="connsiteX4" fmla="*/ 147926 w 710045"/>
+                  <a:gd name="connsiteY4" fmla="*/ 207845 h 831379"/>
+                  <a:gd name="connsiteX5" fmla="*/ 355023 w 710045"/>
+                  <a:gd name="connsiteY5" fmla="*/ 445382 h 831379"/>
+                  <a:gd name="connsiteX6" fmla="*/ 0 w 710045"/>
+                  <a:gd name="connsiteY6" fmla="*/ 801688 h 831379"/>
+                  <a:gd name="connsiteX7" fmla="*/ 29585 w 710045"/>
+                  <a:gd name="connsiteY7" fmla="*/ 831380 h 831379"/>
+                  <a:gd name="connsiteX8" fmla="*/ 680460 w 710045"/>
+                  <a:gd name="connsiteY8" fmla="*/ 831380 h 831379"/>
+                  <a:gd name="connsiteX9" fmla="*/ 710045 w 710045"/>
+                  <a:gd name="connsiteY9" fmla="*/ 801688 h 831379"/>
+                  <a:gd name="connsiteX10" fmla="*/ 355023 w 710045"/>
+                  <a:gd name="connsiteY10" fmla="*/ 445382 h 831379"/>
+                </a:gdLst>
+                <a:ahLst/>
+                <a:cxnLst>
+                  <a:cxn ang="0">
+                    <a:pos x="connsiteX0" y="connsiteY0"/>
+                  </a:cxn>
+                  <a:cxn ang="0">
+                    <a:pos x="connsiteX1" y="connsiteY1"/>
+                  </a:cxn>
+                  <a:cxn ang="0">
+                    <a:pos x="connsiteX2" y="connsiteY2"/>
+                  </a:cxn>
+                  <a:cxn ang="0">
+                    <a:pos x="connsiteX3" y="connsiteY3"/>
+                  </a:cxn>
+                  <a:cxn ang="0">
+                    <a:pos x="connsiteX4" y="connsiteY4"/>
+                  </a:cxn>
+                  <a:cxn ang="0">
+                    <a:pos x="connsiteX5" y="connsiteY5"/>
+                  </a:cxn>
+                  <a:cxn ang="0">
+                    <a:pos x="connsiteX6" y="connsiteY6"/>
+                  </a:cxn>
+                  <a:cxn ang="0">
+                    <a:pos x="connsiteX7" y="connsiteY7"/>
+                  </a:cxn>
+                  <a:cxn ang="0">
+                    <a:pos x="connsiteX8" y="connsiteY8"/>
+                  </a:cxn>
+                  <a:cxn ang="0">
+                    <a:pos x="connsiteX9" y="connsiteY9"/>
+                  </a:cxn>
+                  <a:cxn ang="0">
+                    <a:pos x="connsiteX10" y="connsiteY10"/>
+                  </a:cxn>
+                </a:cxnLst>
+                <a:rect l="l" t="t" r="r" b="b"/>
+                <a:pathLst>
+                  <a:path w="710045" h="831379">
+                    <a:moveTo>
+                      <a:pt x="147926" y="207845"/>
+                    </a:moveTo>
+                    <a:cubicBezTo>
+                      <a:pt x="147926" y="93238"/>
+                      <a:pt x="240861" y="0"/>
+                      <a:pt x="355023" y="0"/>
+                    </a:cubicBezTo>
+                    <a:cubicBezTo>
+                      <a:pt x="469185" y="0"/>
+                      <a:pt x="562119" y="93233"/>
+                      <a:pt x="562119" y="207845"/>
+                    </a:cubicBezTo>
+                    <a:cubicBezTo>
+                      <a:pt x="562119" y="322457"/>
+                      <a:pt x="469185" y="415690"/>
+                      <a:pt x="355023" y="415690"/>
+                    </a:cubicBezTo>
+                    <a:cubicBezTo>
+                      <a:pt x="240861" y="415690"/>
+                      <a:pt x="147926" y="322457"/>
+                      <a:pt x="147926" y="207845"/>
+                    </a:cubicBezTo>
+                    <a:close/>
+                    <a:moveTo>
+                      <a:pt x="355023" y="445382"/>
+                    </a:moveTo>
+                    <a:cubicBezTo>
+                      <a:pt x="159240" y="445382"/>
+                      <a:pt x="0" y="605197"/>
+                      <a:pt x="0" y="801688"/>
+                    </a:cubicBezTo>
+                    <a:cubicBezTo>
+                      <a:pt x="0" y="818093"/>
+                      <a:pt x="13239" y="831380"/>
+                      <a:pt x="29585" y="831380"/>
+                    </a:cubicBezTo>
+                    <a:lnTo>
+                      <a:pt x="680460" y="831380"/>
+                    </a:lnTo>
+                    <a:cubicBezTo>
+                      <a:pt x="696806" y="831380"/>
+                      <a:pt x="710045" y="818093"/>
+                      <a:pt x="710045" y="801688"/>
+                    </a:cubicBezTo>
+                    <a:cubicBezTo>
+                      <a:pt x="710045" y="605197"/>
+                      <a:pt x="550806" y="445382"/>
+                      <a:pt x="355023" y="445382"/>
+                    </a:cubicBezTo>
+                    <a:close/>
+                  </a:path>
+                </a:pathLst>
+              </a:custGeom>
+              <a:solidFill>
+                <a:srgbClr val="000000"/>
+              </a:solidFill>
+              <a:ln w="9438" cap="flat">
+                <a:noFill/>
+                <a:prstDash val="solid"/>
+                <a:miter/>
               </a:ln>
             </p:spPr>
-            <p:style>
-              <a:lnRef idx="2">
-                <a:schemeClr val="accent1">
-                  <a:shade val="15000"/>
-                </a:schemeClr>
-              </a:lnRef>
-              <a:fillRef idx="1">
-                <a:schemeClr val="accent1"/>
-              </a:fillRef>
-              <a:effectRef idx="0">
-                <a:schemeClr val="accent1"/>
-              </a:effectRef>
-              <a:fontRef idx="minor">
-                <a:schemeClr val="lt1"/>
-              </a:fontRef>
-            </p:style>
             <p:txBody>
               <a:bodyPr rtlCol="0" anchor="ctr"/>
               <a:lstStyle/>
               <a:p>
-                <a:pPr algn="ctr"/>
                 <a:endParaRPr lang="en-US" dirty="0"/>
               </a:p>
             </p:txBody>
           </p:sp>
+          <p:grpSp>
+            <p:nvGrpSpPr>
+              <p:cNvPr id="38" name="Group 37">
+                <a:extLst>
+                  <a:ext uri="{FF2B5EF4-FFF2-40B4-BE49-F238E27FC236}">
+                    <a16:creationId xmlns:a16="http://schemas.microsoft.com/office/drawing/2014/main" id="{12405091-E509-4FBC-982F-D58B0EB8F78B}"/>
+                  </a:ext>
+                </a:extLst>
+              </p:cNvPr>
+              <p:cNvGrpSpPr/>
+              <p:nvPr/>
+            </p:nvGrpSpPr>
+            <p:grpSpPr>
+              <a:xfrm>
+                <a:off x="858779" y="7429652"/>
+                <a:ext cx="210805" cy="523220"/>
+                <a:chOff x="858779" y="7549429"/>
+                <a:chExt cx="210805" cy="403443"/>
+              </a:xfrm>
+            </p:grpSpPr>
+            <p:cxnSp>
+              <p:nvCxnSpPr>
+                <p:cNvPr id="19" name="Straight Connector 18">
+                  <a:extLst>
+                    <a:ext uri="{FF2B5EF4-FFF2-40B4-BE49-F238E27FC236}">
+                      <a16:creationId xmlns:a16="http://schemas.microsoft.com/office/drawing/2014/main" id="{D38DDD0E-F5A7-C878-D050-A92621AC59C1}"/>
+                    </a:ext>
+                  </a:extLst>
+                </p:cNvPr>
+                <p:cNvCxnSpPr>
+                  <a:cxnSpLocks/>
+                </p:cNvCxnSpPr>
+                <p:nvPr/>
+              </p:nvCxnSpPr>
+              <p:spPr>
+                <a:xfrm flipH="1" flipV="1">
+                  <a:off x="858779" y="7556872"/>
+                  <a:ext cx="46678" cy="396000"/>
+                </a:xfrm>
+                <a:prstGeom prst="line">
+                  <a:avLst/>
+                </a:prstGeom>
+                <a:ln w="19050">
+                  <a:solidFill>
+                    <a:srgbClr val="4055A5"/>
+                  </a:solidFill>
+                  <a:prstDash val="dash"/>
+                </a:ln>
+              </p:spPr>
+              <p:style>
+                <a:lnRef idx="2">
+                  <a:schemeClr val="accent1"/>
+                </a:lnRef>
+                <a:fillRef idx="0">
+                  <a:schemeClr val="accent1"/>
+                </a:fillRef>
+                <a:effectRef idx="1">
+                  <a:schemeClr val="accent1"/>
+                </a:effectRef>
+                <a:fontRef idx="minor">
+                  <a:schemeClr val="tx1"/>
+                </a:fontRef>
+              </p:style>
+            </p:cxnSp>
+            <p:cxnSp>
+              <p:nvCxnSpPr>
+                <p:cNvPr id="21" name="Straight Connector 20">
+                  <a:extLst>
+                    <a:ext uri="{FF2B5EF4-FFF2-40B4-BE49-F238E27FC236}">
+                      <a16:creationId xmlns:a16="http://schemas.microsoft.com/office/drawing/2014/main" id="{31863516-5264-8AD9-7E40-E23CFA4A0A31}"/>
+                    </a:ext>
+                  </a:extLst>
+                </p:cNvPr>
+                <p:cNvCxnSpPr>
+                  <a:cxnSpLocks/>
+                </p:cNvCxnSpPr>
+                <p:nvPr/>
+              </p:nvCxnSpPr>
+              <p:spPr>
+                <a:xfrm flipH="1" flipV="1">
+                  <a:off x="926906" y="7549429"/>
+                  <a:ext cx="142678" cy="360000"/>
+                </a:xfrm>
+                <a:prstGeom prst="line">
+                  <a:avLst/>
+                </a:prstGeom>
+                <a:ln w="19050">
+                  <a:solidFill>
+                    <a:srgbClr val="4055A5"/>
+                  </a:solidFill>
+                  <a:prstDash val="dash"/>
+                </a:ln>
+              </p:spPr>
+              <p:style>
+                <a:lnRef idx="2">
+                  <a:schemeClr val="accent1"/>
+                </a:lnRef>
+                <a:fillRef idx="0">
+                  <a:schemeClr val="accent1"/>
+                </a:fillRef>
+                <a:effectRef idx="1">
+                  <a:schemeClr val="accent1"/>
+                </a:effectRef>
+                <a:fontRef idx="minor">
+                  <a:schemeClr val="tx1"/>
+                </a:fontRef>
+              </p:style>
+            </p:cxnSp>
+          </p:grpSp>
         </p:grpSp>
         <p:sp>
           <p:nvSpPr>
-            <p:cNvPr id="11" name="TextBox 10">
+            <p:cNvPr id="12" name="TextBox 11">
               <a:extLst>
                 <a:ext uri="{FF2B5EF4-FFF2-40B4-BE49-F238E27FC236}">
-                  <a16:creationId xmlns:a16="http://schemas.microsoft.com/office/drawing/2014/main" id="{F32834A9-7325-DEC5-10A3-6244DF684E6E}"/>
+                  <a16:creationId xmlns:a16="http://schemas.microsoft.com/office/drawing/2014/main" id="{C80B6CFE-2A86-DDF5-755E-301EDD3D18AD}"/>
                 </a:ext>
               </a:extLst>
             </p:cNvPr>
@@ -4268,8 +4671,8 @@
           </p:nvSpPr>
           <p:spPr>
             <a:xfrm>
-              <a:off x="1228502" y="7078591"/>
-              <a:ext cx="311304" cy="523220"/>
+              <a:off x="308815" y="4288327"/>
+              <a:ext cx="362600" cy="400110"/>
             </a:xfrm>
             <a:prstGeom prst="rect">
               <a:avLst/>
@@ -4282,348 +4685,19 @@
             </a:bodyPr>
             <a:lstStyle/>
             <a:p>
-              <a:pPr algn="ctr"/>
               <a:r>
-                <a:rPr lang="en-US" sz="2800" b="1" dirty="0">
-                  <a:solidFill>
-                    <a:schemeClr val="bg1">
-                      <a:lumMod val="65000"/>
-                    </a:schemeClr>
-                  </a:solidFill>
-                  <a:latin typeface="Avenir Light" panose="020B0402020203020204" pitchFamily="34" charset="77"/>
-                </a:rPr>
-                <a:t>-</a:t>
+                <a:rPr lang="en-US" sz="2000" dirty="0"/>
+                <a:t>C</a:t>
               </a:r>
             </a:p>
           </p:txBody>
         </p:sp>
         <p:sp>
           <p:nvSpPr>
-            <p:cNvPr id="15" name="Freeform 14">
+            <p:cNvPr id="13" name="TextBox 12">
               <a:extLst>
                 <a:ext uri="{FF2B5EF4-FFF2-40B4-BE49-F238E27FC236}">
-                  <a16:creationId xmlns:a16="http://schemas.microsoft.com/office/drawing/2014/main" id="{BA820562-9506-A1E0-4BA7-763DB77523BC}"/>
-                </a:ext>
-              </a:extLst>
-            </p:cNvPr>
-            <p:cNvSpPr>
-              <a:spLocks noChangeAspect="1"/>
-            </p:cNvSpPr>
-            <p:nvPr/>
-          </p:nvSpPr>
-          <p:spPr>
-            <a:xfrm>
-              <a:off x="796199" y="7941417"/>
-              <a:ext cx="524884" cy="614577"/>
-            </a:xfrm>
-            <a:custGeom>
-              <a:avLst/>
-              <a:gdLst>
-                <a:gd name="connsiteX0" fmla="*/ 147926 w 710045"/>
-                <a:gd name="connsiteY0" fmla="*/ 207845 h 831379"/>
-                <a:gd name="connsiteX1" fmla="*/ 355023 w 710045"/>
-                <a:gd name="connsiteY1" fmla="*/ 0 h 831379"/>
-                <a:gd name="connsiteX2" fmla="*/ 562119 w 710045"/>
-                <a:gd name="connsiteY2" fmla="*/ 207845 h 831379"/>
-                <a:gd name="connsiteX3" fmla="*/ 355023 w 710045"/>
-                <a:gd name="connsiteY3" fmla="*/ 415690 h 831379"/>
-                <a:gd name="connsiteX4" fmla="*/ 147926 w 710045"/>
-                <a:gd name="connsiteY4" fmla="*/ 207845 h 831379"/>
-                <a:gd name="connsiteX5" fmla="*/ 355023 w 710045"/>
-                <a:gd name="connsiteY5" fmla="*/ 445382 h 831379"/>
-                <a:gd name="connsiteX6" fmla="*/ 0 w 710045"/>
-                <a:gd name="connsiteY6" fmla="*/ 801688 h 831379"/>
-                <a:gd name="connsiteX7" fmla="*/ 29585 w 710045"/>
-                <a:gd name="connsiteY7" fmla="*/ 831380 h 831379"/>
-                <a:gd name="connsiteX8" fmla="*/ 680460 w 710045"/>
-                <a:gd name="connsiteY8" fmla="*/ 831380 h 831379"/>
-                <a:gd name="connsiteX9" fmla="*/ 710045 w 710045"/>
-                <a:gd name="connsiteY9" fmla="*/ 801688 h 831379"/>
-                <a:gd name="connsiteX10" fmla="*/ 355023 w 710045"/>
-                <a:gd name="connsiteY10" fmla="*/ 445382 h 831379"/>
-              </a:gdLst>
-              <a:ahLst/>
-              <a:cxnLst>
-                <a:cxn ang="0">
-                  <a:pos x="connsiteX0" y="connsiteY0"/>
-                </a:cxn>
-                <a:cxn ang="0">
-                  <a:pos x="connsiteX1" y="connsiteY1"/>
-                </a:cxn>
-                <a:cxn ang="0">
-                  <a:pos x="connsiteX2" y="connsiteY2"/>
-                </a:cxn>
-                <a:cxn ang="0">
-                  <a:pos x="connsiteX3" y="connsiteY3"/>
-                </a:cxn>
-                <a:cxn ang="0">
-                  <a:pos x="connsiteX4" y="connsiteY4"/>
-                </a:cxn>
-                <a:cxn ang="0">
-                  <a:pos x="connsiteX5" y="connsiteY5"/>
-                </a:cxn>
-                <a:cxn ang="0">
-                  <a:pos x="connsiteX6" y="connsiteY6"/>
-                </a:cxn>
-                <a:cxn ang="0">
-                  <a:pos x="connsiteX7" y="connsiteY7"/>
-                </a:cxn>
-                <a:cxn ang="0">
-                  <a:pos x="connsiteX8" y="connsiteY8"/>
-                </a:cxn>
-                <a:cxn ang="0">
-                  <a:pos x="connsiteX9" y="connsiteY9"/>
-                </a:cxn>
-                <a:cxn ang="0">
-                  <a:pos x="connsiteX10" y="connsiteY10"/>
-                </a:cxn>
-              </a:cxnLst>
-              <a:rect l="l" t="t" r="r" b="b"/>
-              <a:pathLst>
-                <a:path w="710045" h="831379">
-                  <a:moveTo>
-                    <a:pt x="147926" y="207845"/>
-                  </a:moveTo>
-                  <a:cubicBezTo>
-                    <a:pt x="147926" y="93238"/>
-                    <a:pt x="240861" y="0"/>
-                    <a:pt x="355023" y="0"/>
-                  </a:cubicBezTo>
-                  <a:cubicBezTo>
-                    <a:pt x="469185" y="0"/>
-                    <a:pt x="562119" y="93233"/>
-                    <a:pt x="562119" y="207845"/>
-                  </a:cubicBezTo>
-                  <a:cubicBezTo>
-                    <a:pt x="562119" y="322457"/>
-                    <a:pt x="469185" y="415690"/>
-                    <a:pt x="355023" y="415690"/>
-                  </a:cubicBezTo>
-                  <a:cubicBezTo>
-                    <a:pt x="240861" y="415690"/>
-                    <a:pt x="147926" y="322457"/>
-                    <a:pt x="147926" y="207845"/>
-                  </a:cubicBezTo>
-                  <a:close/>
-                  <a:moveTo>
-                    <a:pt x="355023" y="445382"/>
-                  </a:moveTo>
-                  <a:cubicBezTo>
-                    <a:pt x="159240" y="445382"/>
-                    <a:pt x="0" y="605197"/>
-                    <a:pt x="0" y="801688"/>
-                  </a:cubicBezTo>
-                  <a:cubicBezTo>
-                    <a:pt x="0" y="818093"/>
-                    <a:pt x="13239" y="831380"/>
-                    <a:pt x="29585" y="831380"/>
-                  </a:cubicBezTo>
-                  <a:lnTo>
-                    <a:pt x="680460" y="831380"/>
-                  </a:lnTo>
-                  <a:cubicBezTo>
-                    <a:pt x="696806" y="831380"/>
-                    <a:pt x="710045" y="818093"/>
-                    <a:pt x="710045" y="801688"/>
-                  </a:cubicBezTo>
-                  <a:cubicBezTo>
-                    <a:pt x="710045" y="605197"/>
-                    <a:pt x="550806" y="445382"/>
-                    <a:pt x="355023" y="445382"/>
-                  </a:cubicBezTo>
-                  <a:close/>
-                </a:path>
-              </a:pathLst>
-            </a:custGeom>
-            <a:solidFill>
-              <a:srgbClr val="000000"/>
-            </a:solidFill>
-            <a:ln w="9438" cap="flat">
-              <a:noFill/>
-              <a:prstDash val="solid"/>
-              <a:miter/>
-            </a:ln>
-          </p:spPr>
-          <p:txBody>
-            <a:bodyPr rtlCol="0" anchor="ctr"/>
-            <a:lstStyle/>
-            <a:p>
-              <a:endParaRPr lang="en-US" dirty="0"/>
-            </a:p>
-          </p:txBody>
-        </p:sp>
-        <p:grpSp>
-          <p:nvGrpSpPr>
-            <p:cNvPr id="38" name="Group 37">
-              <a:extLst>
-                <a:ext uri="{FF2B5EF4-FFF2-40B4-BE49-F238E27FC236}">
-                  <a16:creationId xmlns:a16="http://schemas.microsoft.com/office/drawing/2014/main" id="{12405091-E509-4FBC-982F-D58B0EB8F78B}"/>
-                </a:ext>
-              </a:extLst>
-            </p:cNvPr>
-            <p:cNvGrpSpPr/>
-            <p:nvPr/>
-          </p:nvGrpSpPr>
-          <p:grpSpPr>
-            <a:xfrm>
-              <a:off x="858779" y="7429652"/>
-              <a:ext cx="210805" cy="523220"/>
-              <a:chOff x="858779" y="7549429"/>
-              <a:chExt cx="210805" cy="403443"/>
-            </a:xfrm>
-          </p:grpSpPr>
-          <p:cxnSp>
-            <p:nvCxnSpPr>
-              <p:cNvPr id="19" name="Straight Connector 18">
-                <a:extLst>
-                  <a:ext uri="{FF2B5EF4-FFF2-40B4-BE49-F238E27FC236}">
-                    <a16:creationId xmlns:a16="http://schemas.microsoft.com/office/drawing/2014/main" id="{D38DDD0E-F5A7-C878-D050-A92621AC59C1}"/>
-                  </a:ext>
-                </a:extLst>
-              </p:cNvPr>
-              <p:cNvCxnSpPr>
-                <a:cxnSpLocks/>
-              </p:cNvCxnSpPr>
-              <p:nvPr/>
-            </p:nvCxnSpPr>
-            <p:spPr>
-              <a:xfrm flipH="1" flipV="1">
-                <a:off x="858779" y="7556872"/>
-                <a:ext cx="46678" cy="396000"/>
-              </a:xfrm>
-              <a:prstGeom prst="line">
-                <a:avLst/>
-              </a:prstGeom>
-              <a:ln w="19050">
-                <a:solidFill>
-                  <a:srgbClr val="4055A5"/>
-                </a:solidFill>
-                <a:prstDash val="dash"/>
-              </a:ln>
-            </p:spPr>
-            <p:style>
-              <a:lnRef idx="2">
-                <a:schemeClr val="accent1"/>
-              </a:lnRef>
-              <a:fillRef idx="0">
-                <a:schemeClr val="accent1"/>
-              </a:fillRef>
-              <a:effectRef idx="1">
-                <a:schemeClr val="accent1"/>
-              </a:effectRef>
-              <a:fontRef idx="minor">
-                <a:schemeClr val="tx1"/>
-              </a:fontRef>
-            </p:style>
-          </p:cxnSp>
-          <p:cxnSp>
-            <p:nvCxnSpPr>
-              <p:cNvPr id="21" name="Straight Connector 20">
-                <a:extLst>
-                  <a:ext uri="{FF2B5EF4-FFF2-40B4-BE49-F238E27FC236}">
-                    <a16:creationId xmlns:a16="http://schemas.microsoft.com/office/drawing/2014/main" id="{31863516-5264-8AD9-7E40-E23CFA4A0A31}"/>
-                  </a:ext>
-                </a:extLst>
-              </p:cNvPr>
-              <p:cNvCxnSpPr>
-                <a:cxnSpLocks/>
-              </p:cNvCxnSpPr>
-              <p:nvPr/>
-            </p:nvCxnSpPr>
-            <p:spPr>
-              <a:xfrm flipH="1" flipV="1">
-                <a:off x="926906" y="7549429"/>
-                <a:ext cx="142678" cy="360000"/>
-              </a:xfrm>
-              <a:prstGeom prst="line">
-                <a:avLst/>
-              </a:prstGeom>
-              <a:ln w="19050">
-                <a:solidFill>
-                  <a:srgbClr val="4055A5"/>
-                </a:solidFill>
-                <a:prstDash val="dash"/>
-              </a:ln>
-            </p:spPr>
-            <p:style>
-              <a:lnRef idx="2">
-                <a:schemeClr val="accent1"/>
-              </a:lnRef>
-              <a:fillRef idx="0">
-                <a:schemeClr val="accent1"/>
-              </a:fillRef>
-              <a:effectRef idx="1">
-                <a:schemeClr val="accent1"/>
-              </a:effectRef>
-              <a:fontRef idx="minor">
-                <a:schemeClr val="tx1"/>
-              </a:fontRef>
-            </p:style>
-          </p:cxnSp>
-        </p:grpSp>
-      </p:grpSp>
-      <p:grpSp>
-        <p:nvGrpSpPr>
-          <p:cNvPr id="63" name="Group 62">
-            <a:extLst>
-              <a:ext uri="{FF2B5EF4-FFF2-40B4-BE49-F238E27FC236}">
-                <a16:creationId xmlns:a16="http://schemas.microsoft.com/office/drawing/2014/main" id="{EC6669DC-F7D0-FD61-F227-AA6C5354346C}"/>
-              </a:ext>
-            </a:extLst>
-          </p:cNvPr>
-          <p:cNvGrpSpPr/>
-          <p:nvPr/>
-        </p:nvGrpSpPr>
-        <p:grpSpPr>
-          <a:xfrm>
-            <a:off x="635473" y="559404"/>
-            <a:ext cx="5114174" cy="3490573"/>
-            <a:chOff x="708210" y="2861528"/>
-            <a:chExt cx="5114174" cy="3490573"/>
-          </a:xfrm>
-        </p:grpSpPr>
-        <p:pic>
-          <p:nvPicPr>
-            <p:cNvPr id="57" name="Graphic 56">
-              <a:extLst>
-                <a:ext uri="{FF2B5EF4-FFF2-40B4-BE49-F238E27FC236}">
-                  <a16:creationId xmlns:a16="http://schemas.microsoft.com/office/drawing/2014/main" id="{4EEA9C2E-8B26-4078-274E-8D10F6627558}"/>
-                </a:ext>
-              </a:extLst>
-            </p:cNvPr>
-            <p:cNvPicPr>
-              <a:picLocks noChangeAspect="1"/>
-            </p:cNvPicPr>
-            <p:nvPr/>
-          </p:nvPicPr>
-          <p:blipFill>
-            <a:blip r:embed="rId9">
-              <a:extLst>
-                <a:ext uri="{96DAC541-7B7A-43D3-8B79-37D633B846F1}">
-                  <asvg:svgBlip xmlns:asvg="http://schemas.microsoft.com/office/drawing/2016/SVG/main" r:embed="rId10"/>
-                </a:ext>
-              </a:extLst>
-            </a:blip>
-            <a:stretch>
-              <a:fillRect/>
-            </a:stretch>
-          </p:blipFill>
-          <p:spPr>
-            <a:xfrm>
-              <a:off x="708210" y="3362414"/>
-              <a:ext cx="5114174" cy="2876723"/>
-            </a:xfrm>
-            <a:prstGeom prst="rect">
-              <a:avLst/>
-            </a:prstGeom>
-          </p:spPr>
-        </p:pic>
-        <p:sp>
-          <p:nvSpPr>
-            <p:cNvPr id="58" name="TextBox 57">
-              <a:extLst>
-                <a:ext uri="{FF2B5EF4-FFF2-40B4-BE49-F238E27FC236}">
-                  <a16:creationId xmlns:a16="http://schemas.microsoft.com/office/drawing/2014/main" id="{81CEBF88-AB85-40A0-9E20-228111F9E1F3}"/>
+                  <a16:creationId xmlns:a16="http://schemas.microsoft.com/office/drawing/2014/main" id="{432B4431-EDE8-96E4-49BA-13219708C563}"/>
                 </a:ext>
               </a:extLst>
             </p:cNvPr>
@@ -4632,8 +4706,8 @@
           </p:nvSpPr>
           <p:spPr>
             <a:xfrm>
-              <a:off x="834625" y="2861528"/>
-              <a:ext cx="728084" cy="523220"/>
+              <a:off x="5110050" y="4288327"/>
+              <a:ext cx="360996" cy="400110"/>
             </a:xfrm>
             <a:prstGeom prst="rect">
               <a:avLst/>
@@ -4646,68 +4720,9 @@
             </a:bodyPr>
             <a:lstStyle/>
             <a:p>
-              <a:pPr algn="ctr"/>
               <a:r>
-                <a:rPr lang="en-US" sz="1400" dirty="0">
-                  <a:latin typeface="Avenir Light" panose="020B0402020203020204" pitchFamily="34" charset="77"/>
-                </a:rPr>
-                <a:t>Look</a:t>
-              </a:r>
-            </a:p>
-            <a:p>
-              <a:pPr algn="ctr"/>
-              <a:r>
-                <a:rPr lang="en-US" sz="1400" dirty="0">
-                  <a:latin typeface="Avenir Light" panose="020B0402020203020204" pitchFamily="34" charset="77"/>
-                </a:rPr>
-                <a:t>at gain</a:t>
-              </a:r>
-            </a:p>
-          </p:txBody>
-        </p:sp>
-        <p:sp>
-          <p:nvSpPr>
-            <p:cNvPr id="59" name="TextBox 58">
-              <a:extLst>
-                <a:ext uri="{FF2B5EF4-FFF2-40B4-BE49-F238E27FC236}">
-                  <a16:creationId xmlns:a16="http://schemas.microsoft.com/office/drawing/2014/main" id="{521F93C5-D440-51B9-3062-0D88869653DE}"/>
-                </a:ext>
-              </a:extLst>
-            </p:cNvPr>
-            <p:cNvSpPr txBox="1"/>
-            <p:nvPr/>
-          </p:nvSpPr>
-          <p:spPr>
-            <a:xfrm>
-              <a:off x="861180" y="5828881"/>
-              <a:ext cx="688009" cy="523220"/>
-            </a:xfrm>
-            <a:prstGeom prst="rect">
-              <a:avLst/>
-            </a:prstGeom>
-            <a:noFill/>
-          </p:spPr>
-          <p:txBody>
-            <a:bodyPr wrap="none" rtlCol="0">
-              <a:spAutoFit/>
-            </a:bodyPr>
-            <a:lstStyle/>
-            <a:p>
-              <a:pPr algn="ctr"/>
-              <a:r>
-                <a:rPr lang="en-US" sz="1400" dirty="0">
-                  <a:latin typeface="Avenir Light" panose="020B0402020203020204" pitchFamily="34" charset="77"/>
-                </a:rPr>
-                <a:t>Look</a:t>
-              </a:r>
-            </a:p>
-            <a:p>
-              <a:pPr algn="ctr"/>
-              <a:r>
-                <a:rPr lang="en-US" sz="1400" dirty="0">
-                  <a:latin typeface="Avenir Light" panose="020B0402020203020204" pitchFamily="34" charset="77"/>
-                </a:rPr>
-                <a:t>at loss</a:t>
+                <a:rPr lang="en-US" sz="2000" dirty="0"/>
+                <a:t>D</a:t>
               </a:r>
             </a:p>
           </p:txBody>
